--- a/SecureGO.pptx
+++ b/SecureGO.pptx
@@ -274,7 +274,7 @@
           <a:p>
             <a:fld id="{91691E37-C42D-4C7E-9228-EE515BAF3927}" type="datetimeFigureOut">
               <a:rPr lang="en-US" smtClean="0"/>
-              <a:t>4/26/2025</a:t>
+              <a:t>4/27/2025</a:t>
             </a:fld>
             <a:endParaRPr lang="en-US"/>
           </a:p>
@@ -472,7 +472,7 @@
           <a:p>
             <a:fld id="{91691E37-C42D-4C7E-9228-EE515BAF3927}" type="datetimeFigureOut">
               <a:rPr lang="en-US" smtClean="0"/>
-              <a:t>4/26/2025</a:t>
+              <a:t>4/27/2025</a:t>
             </a:fld>
             <a:endParaRPr lang="en-US"/>
           </a:p>
@@ -680,7 +680,7 @@
           <a:p>
             <a:fld id="{91691E37-C42D-4C7E-9228-EE515BAF3927}" type="datetimeFigureOut">
               <a:rPr lang="en-US" smtClean="0"/>
-              <a:t>4/26/2025</a:t>
+              <a:t>4/27/2025</a:t>
             </a:fld>
             <a:endParaRPr lang="en-US"/>
           </a:p>
@@ -878,7 +878,7 @@
           <a:p>
             <a:fld id="{91691E37-C42D-4C7E-9228-EE515BAF3927}" type="datetimeFigureOut">
               <a:rPr lang="en-US" smtClean="0"/>
-              <a:t>4/26/2025</a:t>
+              <a:t>4/27/2025</a:t>
             </a:fld>
             <a:endParaRPr lang="en-US"/>
           </a:p>
@@ -1153,7 +1153,7 @@
           <a:p>
             <a:fld id="{91691E37-C42D-4C7E-9228-EE515BAF3927}" type="datetimeFigureOut">
               <a:rPr lang="en-US" smtClean="0"/>
-              <a:t>4/26/2025</a:t>
+              <a:t>4/27/2025</a:t>
             </a:fld>
             <a:endParaRPr lang="en-US"/>
           </a:p>
@@ -1418,7 +1418,7 @@
           <a:p>
             <a:fld id="{91691E37-C42D-4C7E-9228-EE515BAF3927}" type="datetimeFigureOut">
               <a:rPr lang="en-US" smtClean="0"/>
-              <a:t>4/26/2025</a:t>
+              <a:t>4/27/2025</a:t>
             </a:fld>
             <a:endParaRPr lang="en-US"/>
           </a:p>
@@ -1830,7 +1830,7 @@
           <a:p>
             <a:fld id="{91691E37-C42D-4C7E-9228-EE515BAF3927}" type="datetimeFigureOut">
               <a:rPr lang="en-US" smtClean="0"/>
-              <a:t>4/26/2025</a:t>
+              <a:t>4/27/2025</a:t>
             </a:fld>
             <a:endParaRPr lang="en-US"/>
           </a:p>
@@ -1971,7 +1971,7 @@
           <a:p>
             <a:fld id="{91691E37-C42D-4C7E-9228-EE515BAF3927}" type="datetimeFigureOut">
               <a:rPr lang="en-US" smtClean="0"/>
-              <a:t>4/26/2025</a:t>
+              <a:t>4/27/2025</a:t>
             </a:fld>
             <a:endParaRPr lang="en-US"/>
           </a:p>
@@ -2084,7 +2084,7 @@
           <a:p>
             <a:fld id="{91691E37-C42D-4C7E-9228-EE515BAF3927}" type="datetimeFigureOut">
               <a:rPr lang="en-US" smtClean="0"/>
-              <a:t>4/26/2025</a:t>
+              <a:t>4/27/2025</a:t>
             </a:fld>
             <a:endParaRPr lang="en-US"/>
           </a:p>
@@ -2395,7 +2395,7 @@
           <a:p>
             <a:fld id="{91691E37-C42D-4C7E-9228-EE515BAF3927}" type="datetimeFigureOut">
               <a:rPr lang="en-US" smtClean="0"/>
-              <a:t>4/26/2025</a:t>
+              <a:t>4/27/2025</a:t>
             </a:fld>
             <a:endParaRPr lang="en-US"/>
           </a:p>
@@ -2683,7 +2683,7 @@
           <a:p>
             <a:fld id="{91691E37-C42D-4C7E-9228-EE515BAF3927}" type="datetimeFigureOut">
               <a:rPr lang="en-US" smtClean="0"/>
-              <a:t>4/26/2025</a:t>
+              <a:t>4/27/2025</a:t>
             </a:fld>
             <a:endParaRPr lang="en-US"/>
           </a:p>
@@ -2924,7 +2924,7 @@
           <a:p>
             <a:fld id="{91691E37-C42D-4C7E-9228-EE515BAF3927}" type="datetimeFigureOut">
               <a:rPr lang="en-US" smtClean="0"/>
-              <a:t>4/26/2025</a:t>
+              <a:t>4/27/2025</a:t>
             </a:fld>
             <a:endParaRPr lang="en-US"/>
           </a:p>
@@ -7071,12 +7071,36 @@
               <a:buChar char="•"/>
             </a:pPr>
             <a:r>
+              <a:rPr lang="fr-FR" sz="2800" dirty="0" err="1">
+                <a:solidFill>
+                  <a:schemeClr val="bg1"/>
+                </a:solidFill>
+              </a:rPr>
+              <a:t>Expanding</a:t>
+            </a:r>
+            <a:r>
               <a:rPr lang="fr-FR" sz="2800" dirty="0">
                 <a:solidFill>
                   <a:schemeClr val="bg1"/>
                 </a:solidFill>
               </a:rPr>
-              <a:t>Mobile browser support (Android/iOS)</a:t>
+              <a:t> to </a:t>
+            </a:r>
+            <a:r>
+              <a:rPr lang="fr-FR" sz="2800" dirty="0" err="1">
+                <a:solidFill>
+                  <a:schemeClr val="bg1"/>
+                </a:solidFill>
+              </a:rPr>
+              <a:t>other</a:t>
+            </a:r>
+            <a:r>
+              <a:rPr lang="fr-FR" sz="2800" dirty="0">
+                <a:solidFill>
+                  <a:schemeClr val="bg1"/>
+                </a:solidFill>
+              </a:rPr>
+              <a:t> browsers</a:t>
             </a:r>
           </a:p>
           <a:p>
@@ -7179,53 +7203,6 @@
       </p:sp>
       <p:pic>
         <p:nvPicPr>
-          <p:cNvPr id="6146" name="Picture 2" descr="Android vs iOS App UI Design: Key Differences Explored">
-            <a:extLst>
-              <a:ext uri="{FF2B5EF4-FFF2-40B4-BE49-F238E27FC236}">
-                <a16:creationId xmlns:a16="http://schemas.microsoft.com/office/drawing/2014/main" id="{18BEB452-CE22-2153-C174-23AB0B406DA5}"/>
-              </a:ext>
-            </a:extLst>
-          </p:cNvPr>
-          <p:cNvPicPr>
-            <a:picLocks noChangeAspect="1" noChangeArrowheads="1"/>
-          </p:cNvPicPr>
-          <p:nvPr/>
-        </p:nvPicPr>
-        <p:blipFill>
-          <a:blip r:embed="rId3">
-            <a:extLst>
-              <a:ext uri="{28A0092B-C50C-407E-A947-70E740481C1C}">
-                <a14:useLocalDpi xmlns:a14="http://schemas.microsoft.com/office/drawing/2010/main" val="0"/>
-              </a:ext>
-            </a:extLst>
-          </a:blip>
-          <a:srcRect/>
-          <a:stretch>
-            <a:fillRect/>
-          </a:stretch>
-        </p:blipFill>
-        <p:spPr bwMode="auto">
-          <a:xfrm>
-            <a:off x="7089638" y="1318028"/>
-            <a:ext cx="3792704" cy="2229181"/>
-          </a:xfrm>
-          <a:prstGeom prst="rect">
-            <a:avLst/>
-          </a:prstGeom>
-          <a:noFill/>
-          <a:extLst>
-            <a:ext uri="{909E8E84-426E-40DD-AFC4-6F175D3DCCD1}">
-              <a14:hiddenFill xmlns:a14="http://schemas.microsoft.com/office/drawing/2010/main">
-                <a:solidFill>
-                  <a:srgbClr val="FFFFFF"/>
-                </a:solidFill>
-              </a14:hiddenFill>
-            </a:ext>
-          </a:extLst>
-        </p:spPr>
-      </p:pic>
-      <p:pic>
-        <p:nvPicPr>
           <p:cNvPr id="6150" name="Picture 6" descr="16 things to do with a VPN in 2025 - Surfshark">
             <a:extLst>
               <a:ext uri="{FF2B5EF4-FFF2-40B4-BE49-F238E27FC236}">
@@ -7239,7 +7216,7 @@
           <p:nvPr/>
         </p:nvPicPr>
         <p:blipFill rotWithShape="1">
-          <a:blip r:embed="rId4">
+          <a:blip r:embed="rId3">
             <a:extLst>
               <a:ext uri="{28A0092B-C50C-407E-A947-70E740481C1C}">
                 <a14:useLocalDpi xmlns:a14="http://schemas.microsoft.com/office/drawing/2010/main" val="0"/>
@@ -7251,7 +7228,7 @@
         </p:blipFill>
         <p:spPr bwMode="auto">
           <a:xfrm>
-            <a:off x="9419374" y="3803542"/>
+            <a:off x="9420898" y="3934544"/>
             <a:ext cx="2456612" cy="2545959"/>
           </a:xfrm>
           <a:prstGeom prst="rect">
@@ -7284,7 +7261,7 @@
           <p:nvPr/>
         </p:nvPicPr>
         <p:blipFill>
-          <a:blip r:embed="rId5">
+          <a:blip r:embed="rId4">
             <a:extLst>
               <a:ext uri="{28A0092B-C50C-407E-A947-70E740481C1C}">
                 <a14:useLocalDpi xmlns:a14="http://schemas.microsoft.com/office/drawing/2010/main" val="0"/>
@@ -7300,6 +7277,53 @@
           <a:xfrm>
             <a:off x="997805" y="4127828"/>
             <a:ext cx="7267575" cy="2352675"/>
+          </a:xfrm>
+          <a:prstGeom prst="rect">
+            <a:avLst/>
+          </a:prstGeom>
+          <a:noFill/>
+          <a:extLst>
+            <a:ext uri="{909E8E84-426E-40DD-AFC4-6F175D3DCCD1}">
+              <a14:hiddenFill xmlns:a14="http://schemas.microsoft.com/office/drawing/2010/main">
+                <a:solidFill>
+                  <a:srgbClr val="FFFFFF"/>
+                </a:solidFill>
+              </a14:hiddenFill>
+            </a:ext>
+          </a:extLst>
+        </p:spPr>
+      </p:pic>
+      <p:pic>
+        <p:nvPicPr>
+          <p:cNvPr id="1026" name="Picture 2" descr="The 7 best web browsers in 2025 | Zapier">
+            <a:extLst>
+              <a:ext uri="{FF2B5EF4-FFF2-40B4-BE49-F238E27FC236}">
+                <a16:creationId xmlns:a16="http://schemas.microsoft.com/office/drawing/2014/main" id="{8122298E-C9A5-48A6-C734-A8C37571F99C}"/>
+              </a:ext>
+            </a:extLst>
+          </p:cNvPr>
+          <p:cNvPicPr>
+            <a:picLocks noChangeAspect="1" noChangeArrowheads="1"/>
+          </p:cNvPicPr>
+          <p:nvPr/>
+        </p:nvPicPr>
+        <p:blipFill>
+          <a:blip r:embed="rId5">
+            <a:extLst>
+              <a:ext uri="{28A0092B-C50C-407E-A947-70E740481C1C}">
+                <a14:useLocalDpi xmlns:a14="http://schemas.microsoft.com/office/drawing/2010/main" val="0"/>
+              </a:ext>
+            </a:extLst>
+          </a:blip>
+          <a:srcRect/>
+          <a:stretch>
+            <a:fillRect/>
+          </a:stretch>
+        </p:blipFill>
+        <p:spPr bwMode="auto">
+          <a:xfrm>
+            <a:off x="6062054" y="1202041"/>
+            <a:ext cx="5083342" cy="2548290"/>
           </a:xfrm>
           <a:prstGeom prst="rect">
             <a:avLst/>
@@ -7391,7 +7415,7 @@
                                           </p:stCondLst>
                                         </p:cTn>
                                         <p:tgtEl>
-                                          <p:spTgt spid="6146"/>
+                                          <p:spTgt spid="1026"/>
                                         </p:tgtEl>
                                         <p:attrNameLst>
                                           <p:attrName>style.visibility</p:attrName>

--- a/SecureGO.pptx
+++ b/SecureGO.pptx
@@ -4489,10 +4489,10 @@
       </p:sp>
       <p:pic>
         <p:nvPicPr>
-          <p:cNvPr id="13316" name="Picture 4">
-            <a:extLst>
-              <a:ext uri="{FF2B5EF4-FFF2-40B4-BE49-F238E27FC236}">
-                <a16:creationId xmlns:a16="http://schemas.microsoft.com/office/drawing/2014/main" id="{A621085E-70D1-29EE-11CD-F24F271BF5D9}"/>
+          <p:cNvPr id="13318" name="Picture 6">
+            <a:extLst>
+              <a:ext uri="{FF2B5EF4-FFF2-40B4-BE49-F238E27FC236}">
+                <a16:creationId xmlns:a16="http://schemas.microsoft.com/office/drawing/2014/main" id="{0ECF0446-68ED-914F-87E5-C912534E0C4A}"/>
               </a:ext>
             </a:extLst>
           </p:cNvPr>
@@ -4503,53 +4503,6 @@
         </p:nvPicPr>
         <p:blipFill>
           <a:blip r:embed="rId3">
-            <a:extLst>
-              <a:ext uri="{28A0092B-C50C-407E-A947-70E740481C1C}">
-                <a14:useLocalDpi xmlns:a14="http://schemas.microsoft.com/office/drawing/2010/main" val="0"/>
-              </a:ext>
-            </a:extLst>
-          </a:blip>
-          <a:srcRect/>
-          <a:stretch>
-            <a:fillRect/>
-          </a:stretch>
-        </p:blipFill>
-        <p:spPr bwMode="auto">
-          <a:xfrm>
-            <a:off x="6394784" y="1033055"/>
-            <a:ext cx="5143499" cy="5504066"/>
-          </a:xfrm>
-          <a:prstGeom prst="rect">
-            <a:avLst/>
-          </a:prstGeom>
-          <a:noFill/>
-          <a:extLst>
-            <a:ext uri="{909E8E84-426E-40DD-AFC4-6F175D3DCCD1}">
-              <a14:hiddenFill xmlns:a14="http://schemas.microsoft.com/office/drawing/2010/main">
-                <a:solidFill>
-                  <a:srgbClr val="FFFFFF"/>
-                </a:solidFill>
-              </a14:hiddenFill>
-            </a:ext>
-          </a:extLst>
-        </p:spPr>
-      </p:pic>
-      <p:pic>
-        <p:nvPicPr>
-          <p:cNvPr id="13318" name="Picture 6">
-            <a:extLst>
-              <a:ext uri="{FF2B5EF4-FFF2-40B4-BE49-F238E27FC236}">
-                <a16:creationId xmlns:a16="http://schemas.microsoft.com/office/drawing/2014/main" id="{0ECF0446-68ED-914F-87E5-C912534E0C4A}"/>
-              </a:ext>
-            </a:extLst>
-          </p:cNvPr>
-          <p:cNvPicPr>
-            <a:picLocks noChangeAspect="1" noChangeArrowheads="1"/>
-          </p:cNvPicPr>
-          <p:nvPr/>
-        </p:nvPicPr>
-        <p:blipFill>
-          <a:blip r:embed="rId4">
             <a:extLst>
               <a:ext uri="{28A0092B-C50C-407E-A947-70E740481C1C}">
                 <a14:useLocalDpi xmlns:a14="http://schemas.microsoft.com/office/drawing/2010/main" val="0"/>
@@ -4565,6 +4518,53 @@
           <a:xfrm>
             <a:off x="653717" y="1033877"/>
             <a:ext cx="5272669" cy="5503244"/>
+          </a:xfrm>
+          <a:prstGeom prst="rect">
+            <a:avLst/>
+          </a:prstGeom>
+          <a:noFill/>
+          <a:extLst>
+            <a:ext uri="{909E8E84-426E-40DD-AFC4-6F175D3DCCD1}">
+              <a14:hiddenFill xmlns:a14="http://schemas.microsoft.com/office/drawing/2010/main">
+                <a:solidFill>
+                  <a:srgbClr val="FFFFFF"/>
+                </a:solidFill>
+              </a14:hiddenFill>
+            </a:ext>
+          </a:extLst>
+        </p:spPr>
+      </p:pic>
+      <p:pic>
+        <p:nvPicPr>
+          <p:cNvPr id="1026" name="Picture 2">
+            <a:extLst>
+              <a:ext uri="{FF2B5EF4-FFF2-40B4-BE49-F238E27FC236}">
+                <a16:creationId xmlns:a16="http://schemas.microsoft.com/office/drawing/2014/main" id="{5C5E90EE-C4ED-2530-DE6F-A46F1E01A0EA}"/>
+              </a:ext>
+            </a:extLst>
+          </p:cNvPr>
+          <p:cNvPicPr>
+            <a:picLocks noChangeAspect="1" noChangeArrowheads="1"/>
+          </p:cNvPicPr>
+          <p:nvPr/>
+        </p:nvPicPr>
+        <p:blipFill>
+          <a:blip r:embed="rId4">
+            <a:extLst>
+              <a:ext uri="{28A0092B-C50C-407E-A947-70E740481C1C}">
+                <a14:useLocalDpi xmlns:a14="http://schemas.microsoft.com/office/drawing/2010/main" val="0"/>
+              </a:ext>
+            </a:extLst>
+          </a:blip>
+          <a:srcRect/>
+          <a:stretch>
+            <a:fillRect/>
+          </a:stretch>
+        </p:blipFill>
+        <p:spPr bwMode="auto">
+          <a:xfrm>
+            <a:off x="6334878" y="1033877"/>
+            <a:ext cx="5419975" cy="5505360"/>
           </a:xfrm>
           <a:prstGeom prst="rect">
             <a:avLst/>

--- a/SecureGO.pptx
+++ b/SecureGO.pptx
@@ -16,11 +16,12 @@
     <p:sldId id="266" r:id="rId10"/>
     <p:sldId id="267" r:id="rId11"/>
     <p:sldId id="275" r:id="rId12"/>
-    <p:sldId id="268" r:id="rId13"/>
-    <p:sldId id="271" r:id="rId14"/>
-    <p:sldId id="272" r:id="rId15"/>
-    <p:sldId id="270" r:id="rId16"/>
-    <p:sldId id="269" r:id="rId17"/>
+    <p:sldId id="270" r:id="rId13"/>
+    <p:sldId id="269" r:id="rId14"/>
+    <p:sldId id="276" r:id="rId15"/>
+    <p:sldId id="268" r:id="rId16"/>
+    <p:sldId id="271" r:id="rId17"/>
+    <p:sldId id="272" r:id="rId18"/>
   </p:sldIdLst>
   <p:sldSz cx="12192000" cy="6858000"/>
   <p:notesSz cx="6858000" cy="9144000"/>
@@ -4602,2255 +4603,6 @@
         <p:cNvPr id="1" name="">
           <a:extLst>
             <a:ext uri="{FF2B5EF4-FFF2-40B4-BE49-F238E27FC236}">
-              <a16:creationId xmlns:a16="http://schemas.microsoft.com/office/drawing/2014/main" id="{3404E2C0-6DCD-AB3A-C9FA-D2B0FB9830D8}"/>
-            </a:ext>
-          </a:extLst>
-        </p:cNvPr>
-        <p:cNvGrpSpPr/>
-        <p:nvPr/>
-      </p:nvGrpSpPr>
-      <p:grpSpPr>
-        <a:xfrm>
-          <a:off x="0" y="0"/>
-          <a:ext cx="0" cy="0"/>
-          <a:chOff x="0" y="0"/>
-          <a:chExt cx="0" cy="0"/>
-        </a:xfrm>
-      </p:grpSpPr>
-      <p:pic>
-        <p:nvPicPr>
-          <p:cNvPr id="3074" name="Picture 2" descr="Why AI is the future of Cyber Security - Pioneer Search">
-            <a:extLst>
-              <a:ext uri="{FF2B5EF4-FFF2-40B4-BE49-F238E27FC236}">
-                <a16:creationId xmlns:a16="http://schemas.microsoft.com/office/drawing/2014/main" id="{F1329317-7206-327A-26EF-78722C6CB82B}"/>
-              </a:ext>
-            </a:extLst>
-          </p:cNvPr>
-          <p:cNvPicPr>
-            <a:picLocks noChangeAspect="1" noChangeArrowheads="1"/>
-          </p:cNvPicPr>
-          <p:nvPr/>
-        </p:nvPicPr>
-        <p:blipFill rotWithShape="1">
-          <a:blip r:embed="rId2">
-            <a:extLst>
-              <a:ext uri="{28A0092B-C50C-407E-A947-70E740481C1C}">
-                <a14:useLocalDpi xmlns:a14="http://schemas.microsoft.com/office/drawing/2010/main" val="0"/>
-              </a:ext>
-            </a:extLst>
-          </a:blip>
-          <a:srcRect l="15540"/>
-          <a:stretch/>
-        </p:blipFill>
-        <p:spPr bwMode="auto">
-          <a:xfrm>
-            <a:off x="20" y="1282"/>
-            <a:ext cx="12191980" cy="6856718"/>
-          </a:xfrm>
-          <a:prstGeom prst="rect">
-            <a:avLst/>
-          </a:prstGeom>
-          <a:noFill/>
-          <a:extLst>
-            <a:ext uri="{909E8E84-426E-40DD-AFC4-6F175D3DCCD1}">
-              <a14:hiddenFill xmlns:a14="http://schemas.microsoft.com/office/drawing/2010/main">
-                <a:solidFill>
-                  <a:srgbClr val="FFFFFF"/>
-                </a:solidFill>
-              </a14:hiddenFill>
-            </a:ext>
-          </a:extLst>
-        </p:spPr>
-      </p:pic>
-      <p:sp>
-        <p:nvSpPr>
-          <p:cNvPr id="2" name="Rectangle 1">
-            <a:extLst>
-              <a:ext uri="{FF2B5EF4-FFF2-40B4-BE49-F238E27FC236}">
-                <a16:creationId xmlns:a16="http://schemas.microsoft.com/office/drawing/2014/main" id="{276A5141-2659-2E30-7799-9BEC2B06E641}"/>
-              </a:ext>
-            </a:extLst>
-          </p:cNvPr>
-          <p:cNvSpPr/>
-          <p:nvPr/>
-        </p:nvSpPr>
-        <p:spPr>
-          <a:xfrm>
-            <a:off x="0" y="0"/>
-            <a:ext cx="12188952" cy="6858000"/>
-          </a:xfrm>
-          <a:prstGeom prst="rect">
-            <a:avLst/>
-          </a:prstGeom>
-          <a:solidFill>
-            <a:schemeClr val="accent3">
-              <a:lumMod val="50000"/>
-              <a:alpha val="88000"/>
-            </a:schemeClr>
-          </a:solidFill>
-          <a:ln>
-            <a:noFill/>
-          </a:ln>
-        </p:spPr>
-        <p:style>
-          <a:lnRef idx="2">
-            <a:schemeClr val="accent1">
-              <a:shade val="50000"/>
-            </a:schemeClr>
-          </a:lnRef>
-          <a:fillRef idx="1">
-            <a:schemeClr val="accent1"/>
-          </a:fillRef>
-          <a:effectRef idx="0">
-            <a:schemeClr val="accent1"/>
-          </a:effectRef>
-          <a:fontRef idx="minor">
-            <a:schemeClr val="lt1"/>
-          </a:fontRef>
-        </p:style>
-        <p:txBody>
-          <a:bodyPr rtlCol="0" anchor="ctr"/>
-          <a:lstStyle/>
-          <a:p>
-            <a:pPr algn="ctr"/>
-            <a:endParaRPr lang="en-US"/>
-          </a:p>
-        </p:txBody>
-      </p:sp>
-      <p:sp>
-        <p:nvSpPr>
-          <p:cNvPr id="32" name="TextBox 31">
-            <a:extLst>
-              <a:ext uri="{FF2B5EF4-FFF2-40B4-BE49-F238E27FC236}">
-                <a16:creationId xmlns:a16="http://schemas.microsoft.com/office/drawing/2014/main" id="{7A97570B-D496-9529-6B86-9BC08157F230}"/>
-              </a:ext>
-            </a:extLst>
-          </p:cNvPr>
-          <p:cNvSpPr txBox="1"/>
-          <p:nvPr/>
-        </p:nvSpPr>
-        <p:spPr>
-          <a:xfrm>
-            <a:off x="797859" y="280044"/>
-            <a:ext cx="10596282" cy="707886"/>
-          </a:xfrm>
-          <a:prstGeom prst="rect">
-            <a:avLst/>
-          </a:prstGeom>
-          <a:noFill/>
-        </p:spPr>
-        <p:txBody>
-          <a:bodyPr wrap="square" rtlCol="0">
-            <a:spAutoFit/>
-          </a:bodyPr>
-          <a:lstStyle/>
-          <a:p>
-            <a:pPr algn="ctr"/>
-            <a:r>
-              <a:rPr lang="en-US" sz="4000" dirty="0">
-                <a:solidFill>
-                  <a:schemeClr val="bg1"/>
-                </a:solidFill>
-                <a:latin typeface="Georgia" panose="02040502050405020303" pitchFamily="18" charset="0"/>
-              </a:rPr>
-              <a:t>Behind the Scenes: </a:t>
-            </a:r>
-            <a:r>
-              <a:rPr lang="en-CA" sz="4000" dirty="0">
-                <a:solidFill>
-                  <a:schemeClr val="bg1"/>
-                </a:solidFill>
-              </a:rPr>
-              <a:t>Core Tech Stack</a:t>
-            </a:r>
-          </a:p>
-        </p:txBody>
-      </p:sp>
-      <p:sp>
-        <p:nvSpPr>
-          <p:cNvPr id="10" name="TextBox 9">
-            <a:extLst>
-              <a:ext uri="{FF2B5EF4-FFF2-40B4-BE49-F238E27FC236}">
-                <a16:creationId xmlns:a16="http://schemas.microsoft.com/office/drawing/2014/main" id="{516FE674-A534-5D5C-3563-349C6D963A02}"/>
-              </a:ext>
-            </a:extLst>
-          </p:cNvPr>
-          <p:cNvSpPr txBox="1"/>
-          <p:nvPr/>
-        </p:nvSpPr>
-        <p:spPr>
-          <a:xfrm>
-            <a:off x="1330960" y="1889760"/>
-            <a:ext cx="9316720" cy="3505200"/>
-          </a:xfrm>
-          <a:prstGeom prst="rect">
-            <a:avLst/>
-          </a:prstGeom>
-        </p:spPr>
-        <p:txBody>
-          <a:bodyPr wrap="square" rtlCol="0">
-            <a:spAutoFit/>
-          </a:bodyPr>
-          <a:lstStyle/>
-          <a:p>
-            <a:endParaRPr lang="en-CA" dirty="0"/>
-          </a:p>
-        </p:txBody>
-      </p:sp>
-      <p:pic>
-        <p:nvPicPr>
-          <p:cNvPr id="2050" name="Picture 2" descr="Python (programming language) - Wikipedia">
-            <a:extLst>
-              <a:ext uri="{FF2B5EF4-FFF2-40B4-BE49-F238E27FC236}">
-                <a16:creationId xmlns:a16="http://schemas.microsoft.com/office/drawing/2014/main" id="{229DC01C-53B8-6601-2138-F76A13EC15AA}"/>
-              </a:ext>
-            </a:extLst>
-          </p:cNvPr>
-          <p:cNvPicPr>
-            <a:picLocks noChangeAspect="1" noChangeArrowheads="1"/>
-          </p:cNvPicPr>
-          <p:nvPr/>
-        </p:nvPicPr>
-        <p:blipFill>
-          <a:blip r:embed="rId3">
-            <a:extLst>
-              <a:ext uri="{28A0092B-C50C-407E-A947-70E740481C1C}">
-                <a14:useLocalDpi xmlns:a14="http://schemas.microsoft.com/office/drawing/2010/main" val="0"/>
-              </a:ext>
-            </a:extLst>
-          </a:blip>
-          <a:srcRect/>
-          <a:stretch>
-            <a:fillRect/>
-          </a:stretch>
-        </p:blipFill>
-        <p:spPr bwMode="auto">
-          <a:xfrm>
-            <a:off x="2672247" y="1266692"/>
-            <a:ext cx="2362333" cy="2592805"/>
-          </a:xfrm>
-          <a:prstGeom prst="rect">
-            <a:avLst/>
-          </a:prstGeom>
-          <a:noFill/>
-          <a:extLst>
-            <a:ext uri="{909E8E84-426E-40DD-AFC4-6F175D3DCCD1}">
-              <a14:hiddenFill xmlns:a14="http://schemas.microsoft.com/office/drawing/2010/main">
-                <a:solidFill>
-                  <a:srgbClr val="FFFFFF"/>
-                </a:solidFill>
-              </a14:hiddenFill>
-            </a:ext>
-          </a:extLst>
-        </p:spPr>
-      </p:pic>
-      <p:pic>
-        <p:nvPicPr>
-          <p:cNvPr id="2052" name="Picture 4" descr="Flask &amp; React - From Zero to Full-Stack (with Samples)">
-            <a:extLst>
-              <a:ext uri="{FF2B5EF4-FFF2-40B4-BE49-F238E27FC236}">
-                <a16:creationId xmlns:a16="http://schemas.microsoft.com/office/drawing/2014/main" id="{D3B124F9-E415-B3D6-2C72-02A6D90DB6BC}"/>
-              </a:ext>
-            </a:extLst>
-          </p:cNvPr>
-          <p:cNvPicPr>
-            <a:picLocks noChangeAspect="1" noChangeArrowheads="1"/>
-          </p:cNvPicPr>
-          <p:nvPr/>
-        </p:nvPicPr>
-        <p:blipFill>
-          <a:blip r:embed="rId4">
-            <a:extLst>
-              <a:ext uri="{28A0092B-C50C-407E-A947-70E740481C1C}">
-                <a14:useLocalDpi xmlns:a14="http://schemas.microsoft.com/office/drawing/2010/main" val="0"/>
-              </a:ext>
-            </a:extLst>
-          </a:blip>
-          <a:srcRect/>
-          <a:stretch>
-            <a:fillRect/>
-          </a:stretch>
-        </p:blipFill>
-        <p:spPr bwMode="auto">
-          <a:xfrm>
-            <a:off x="5486178" y="1344607"/>
-            <a:ext cx="4893883" cy="2233517"/>
-          </a:xfrm>
-          <a:prstGeom prst="rect">
-            <a:avLst/>
-          </a:prstGeom>
-          <a:noFill/>
-          <a:extLst>
-            <a:ext uri="{909E8E84-426E-40DD-AFC4-6F175D3DCCD1}">
-              <a14:hiddenFill xmlns:a14="http://schemas.microsoft.com/office/drawing/2010/main">
-                <a:solidFill>
-                  <a:srgbClr val="FFFFFF"/>
-                </a:solidFill>
-              </a14:hiddenFill>
-            </a:ext>
-          </a:extLst>
-        </p:spPr>
-      </p:pic>
-      <p:pic>
-        <p:nvPicPr>
-          <p:cNvPr id="2054" name="Picture 6" descr="javascript logo png, javascript icon transparent png 27127463 PNG">
-            <a:extLst>
-              <a:ext uri="{FF2B5EF4-FFF2-40B4-BE49-F238E27FC236}">
-                <a16:creationId xmlns:a16="http://schemas.microsoft.com/office/drawing/2014/main" id="{A5A35D4C-4711-16A5-1AF3-56774FAE0956}"/>
-              </a:ext>
-            </a:extLst>
-          </p:cNvPr>
-          <p:cNvPicPr>
-            <a:picLocks noChangeAspect="1" noChangeArrowheads="1"/>
-          </p:cNvPicPr>
-          <p:nvPr/>
-        </p:nvPicPr>
-        <p:blipFill>
-          <a:blip r:embed="rId5">
-            <a:extLst>
-              <a:ext uri="{28A0092B-C50C-407E-A947-70E740481C1C}">
-                <a14:useLocalDpi xmlns:a14="http://schemas.microsoft.com/office/drawing/2010/main" val="0"/>
-              </a:ext>
-            </a:extLst>
-          </a:blip>
-          <a:srcRect/>
-          <a:stretch>
-            <a:fillRect/>
-          </a:stretch>
-        </p:blipFill>
-        <p:spPr bwMode="auto">
-          <a:xfrm>
-            <a:off x="2389571" y="3716446"/>
-            <a:ext cx="2927684" cy="2927684"/>
-          </a:xfrm>
-          <a:prstGeom prst="rect">
-            <a:avLst/>
-          </a:prstGeom>
-          <a:noFill/>
-          <a:extLst>
-            <a:ext uri="{909E8E84-426E-40DD-AFC4-6F175D3DCCD1}">
-              <a14:hiddenFill xmlns:a14="http://schemas.microsoft.com/office/drawing/2010/main">
-                <a:solidFill>
-                  <a:srgbClr val="FFFFFF"/>
-                </a:solidFill>
-              </a14:hiddenFill>
-            </a:ext>
-          </a:extLst>
-        </p:spPr>
-      </p:pic>
-      <p:pic>
-        <p:nvPicPr>
-          <p:cNvPr id="2058" name="Picture 10" descr="Introduction to MongoDB and Studio 3T | Studio 3T">
-            <a:extLst>
-              <a:ext uri="{FF2B5EF4-FFF2-40B4-BE49-F238E27FC236}">
-                <a16:creationId xmlns:a16="http://schemas.microsoft.com/office/drawing/2014/main" id="{350D9CA5-B840-A71B-B366-58075433A4D6}"/>
-              </a:ext>
-            </a:extLst>
-          </p:cNvPr>
-          <p:cNvPicPr>
-            <a:picLocks noChangeAspect="1" noChangeArrowheads="1"/>
-          </p:cNvPicPr>
-          <p:nvPr/>
-        </p:nvPicPr>
-        <p:blipFill>
-          <a:blip r:embed="rId6">
-            <a:extLst>
-              <a:ext uri="{28A0092B-C50C-407E-A947-70E740481C1C}">
-                <a14:useLocalDpi xmlns:a14="http://schemas.microsoft.com/office/drawing/2010/main" val="0"/>
-              </a:ext>
-            </a:extLst>
-          </a:blip>
-          <a:srcRect/>
-          <a:stretch>
-            <a:fillRect/>
-          </a:stretch>
-        </p:blipFill>
-        <p:spPr bwMode="auto">
-          <a:xfrm>
-            <a:off x="6044641" y="4364673"/>
-            <a:ext cx="4231257" cy="1148720"/>
-          </a:xfrm>
-          <a:prstGeom prst="rect">
-            <a:avLst/>
-          </a:prstGeom>
-          <a:noFill/>
-          <a:extLst>
-            <a:ext uri="{909E8E84-426E-40DD-AFC4-6F175D3DCCD1}">
-              <a14:hiddenFill xmlns:a14="http://schemas.microsoft.com/office/drawing/2010/main">
-                <a:solidFill>
-                  <a:srgbClr val="FFFFFF"/>
-                </a:solidFill>
-              </a14:hiddenFill>
-            </a:ext>
-          </a:extLst>
-        </p:spPr>
-      </p:pic>
-    </p:spTree>
-    <p:extLst>
-      <p:ext uri="{BB962C8B-B14F-4D97-AF65-F5344CB8AC3E}">
-        <p14:creationId xmlns:p14="http://schemas.microsoft.com/office/powerpoint/2010/main" val="3685324367"/>
-      </p:ext>
-    </p:extLst>
-  </p:cSld>
-  <p:clrMapOvr>
-    <a:masterClrMapping/>
-  </p:clrMapOvr>
-</p:sld>
-</file>
-
-<file path=ppt/slides/slide13.xml><?xml version="1.0" encoding="utf-8"?>
-<p:sld xmlns:a="http://schemas.openxmlformats.org/drawingml/2006/main" xmlns:r="http://schemas.openxmlformats.org/officeDocument/2006/relationships" xmlns:p="http://schemas.openxmlformats.org/presentationml/2006/main">
-  <p:cSld>
-    <p:spTree>
-      <p:nvGrpSpPr>
-        <p:cNvPr id="1" name="">
-          <a:extLst>
-            <a:ext uri="{FF2B5EF4-FFF2-40B4-BE49-F238E27FC236}">
-              <a16:creationId xmlns:a16="http://schemas.microsoft.com/office/drawing/2014/main" id="{8CD84B92-559B-E20D-1BA6-2520DDC0CDDD}"/>
-            </a:ext>
-          </a:extLst>
-        </p:cNvPr>
-        <p:cNvGrpSpPr/>
-        <p:nvPr/>
-      </p:nvGrpSpPr>
-      <p:grpSpPr>
-        <a:xfrm>
-          <a:off x="0" y="0"/>
-          <a:ext cx="0" cy="0"/>
-          <a:chOff x="0" y="0"/>
-          <a:chExt cx="0" cy="0"/>
-        </a:xfrm>
-      </p:grpSpPr>
-      <p:pic>
-        <p:nvPicPr>
-          <p:cNvPr id="3074" name="Picture 2" descr="Why AI is the future of Cyber Security - Pioneer Search">
-            <a:extLst>
-              <a:ext uri="{FF2B5EF4-FFF2-40B4-BE49-F238E27FC236}">
-                <a16:creationId xmlns:a16="http://schemas.microsoft.com/office/drawing/2014/main" id="{A44B1002-2B92-CD18-7D1D-CA876D045747}"/>
-              </a:ext>
-            </a:extLst>
-          </p:cNvPr>
-          <p:cNvPicPr>
-            <a:picLocks noChangeAspect="1" noChangeArrowheads="1"/>
-          </p:cNvPicPr>
-          <p:nvPr/>
-        </p:nvPicPr>
-        <p:blipFill rotWithShape="1">
-          <a:blip r:embed="rId2">
-            <a:extLst>
-              <a:ext uri="{28A0092B-C50C-407E-A947-70E740481C1C}">
-                <a14:useLocalDpi xmlns:a14="http://schemas.microsoft.com/office/drawing/2010/main" val="0"/>
-              </a:ext>
-            </a:extLst>
-          </a:blip>
-          <a:srcRect l="15540"/>
-          <a:stretch/>
-        </p:blipFill>
-        <p:spPr bwMode="auto">
-          <a:xfrm>
-            <a:off x="20" y="1282"/>
-            <a:ext cx="12191980" cy="6856718"/>
-          </a:xfrm>
-          <a:prstGeom prst="rect">
-            <a:avLst/>
-          </a:prstGeom>
-          <a:noFill/>
-          <a:extLst>
-            <a:ext uri="{909E8E84-426E-40DD-AFC4-6F175D3DCCD1}">
-              <a14:hiddenFill xmlns:a14="http://schemas.microsoft.com/office/drawing/2010/main">
-                <a:solidFill>
-                  <a:srgbClr val="FFFFFF"/>
-                </a:solidFill>
-              </a14:hiddenFill>
-            </a:ext>
-          </a:extLst>
-        </p:spPr>
-      </p:pic>
-      <p:sp>
-        <p:nvSpPr>
-          <p:cNvPr id="2" name="Rectangle 1">
-            <a:extLst>
-              <a:ext uri="{FF2B5EF4-FFF2-40B4-BE49-F238E27FC236}">
-                <a16:creationId xmlns:a16="http://schemas.microsoft.com/office/drawing/2014/main" id="{96FE4BDF-BD6A-295E-D066-2573AC9D9723}"/>
-              </a:ext>
-            </a:extLst>
-          </p:cNvPr>
-          <p:cNvSpPr/>
-          <p:nvPr/>
-        </p:nvSpPr>
-        <p:spPr>
-          <a:xfrm>
-            <a:off x="0" y="0"/>
-            <a:ext cx="12188952" cy="6858000"/>
-          </a:xfrm>
-          <a:prstGeom prst="rect">
-            <a:avLst/>
-          </a:prstGeom>
-          <a:solidFill>
-            <a:schemeClr val="accent3">
-              <a:lumMod val="50000"/>
-              <a:alpha val="88000"/>
-            </a:schemeClr>
-          </a:solidFill>
-          <a:ln>
-            <a:noFill/>
-          </a:ln>
-        </p:spPr>
-        <p:style>
-          <a:lnRef idx="2">
-            <a:schemeClr val="accent1">
-              <a:shade val="50000"/>
-            </a:schemeClr>
-          </a:lnRef>
-          <a:fillRef idx="1">
-            <a:schemeClr val="accent1"/>
-          </a:fillRef>
-          <a:effectRef idx="0">
-            <a:schemeClr val="accent1"/>
-          </a:effectRef>
-          <a:fontRef idx="minor">
-            <a:schemeClr val="lt1"/>
-          </a:fontRef>
-        </p:style>
-        <p:txBody>
-          <a:bodyPr rtlCol="0" anchor="ctr"/>
-          <a:lstStyle/>
-          <a:p>
-            <a:pPr algn="ctr"/>
-            <a:endParaRPr lang="en-US"/>
-          </a:p>
-        </p:txBody>
-      </p:sp>
-      <p:sp>
-        <p:nvSpPr>
-          <p:cNvPr id="32" name="TextBox 31">
-            <a:extLst>
-              <a:ext uri="{FF2B5EF4-FFF2-40B4-BE49-F238E27FC236}">
-                <a16:creationId xmlns:a16="http://schemas.microsoft.com/office/drawing/2014/main" id="{9317E71E-59F3-BAEB-ECEE-A95C81C12421}"/>
-              </a:ext>
-            </a:extLst>
-          </p:cNvPr>
-          <p:cNvSpPr txBox="1"/>
-          <p:nvPr/>
-        </p:nvSpPr>
-        <p:spPr>
-          <a:xfrm>
-            <a:off x="797859" y="280044"/>
-            <a:ext cx="10596282" cy="707886"/>
-          </a:xfrm>
-          <a:prstGeom prst="rect">
-            <a:avLst/>
-          </a:prstGeom>
-          <a:noFill/>
-        </p:spPr>
-        <p:txBody>
-          <a:bodyPr wrap="square" rtlCol="0">
-            <a:spAutoFit/>
-          </a:bodyPr>
-          <a:lstStyle/>
-          <a:p>
-            <a:pPr algn="ctr"/>
-            <a:r>
-              <a:rPr lang="en-US" sz="4000" dirty="0">
-                <a:solidFill>
-                  <a:schemeClr val="bg1"/>
-                </a:solidFill>
-                <a:latin typeface="Georgia" panose="02040502050405020303" pitchFamily="18" charset="0"/>
-              </a:rPr>
-              <a:t>Behind the Scenes: </a:t>
-            </a:r>
-            <a:r>
-              <a:rPr lang="en-CA" sz="4000" dirty="0">
-                <a:solidFill>
-                  <a:schemeClr val="bg1"/>
-                </a:solidFill>
-              </a:rPr>
-              <a:t>Feature Development</a:t>
-            </a:r>
-          </a:p>
-        </p:txBody>
-      </p:sp>
-      <p:sp>
-        <p:nvSpPr>
-          <p:cNvPr id="10" name="TextBox 9">
-            <a:extLst>
-              <a:ext uri="{FF2B5EF4-FFF2-40B4-BE49-F238E27FC236}">
-                <a16:creationId xmlns:a16="http://schemas.microsoft.com/office/drawing/2014/main" id="{3A364F41-F305-DBD7-8FEB-6064130BD817}"/>
-              </a:ext>
-            </a:extLst>
-          </p:cNvPr>
-          <p:cNvSpPr txBox="1"/>
-          <p:nvPr/>
-        </p:nvSpPr>
-        <p:spPr>
-          <a:xfrm>
-            <a:off x="1330960" y="1889760"/>
-            <a:ext cx="9316720" cy="3505200"/>
-          </a:xfrm>
-          <a:prstGeom prst="rect">
-            <a:avLst/>
-          </a:prstGeom>
-        </p:spPr>
-        <p:txBody>
-          <a:bodyPr wrap="square" rtlCol="0">
-            <a:spAutoFit/>
-          </a:bodyPr>
-          <a:lstStyle/>
-          <a:p>
-            <a:endParaRPr lang="en-CA" dirty="0"/>
-          </a:p>
-        </p:txBody>
-      </p:sp>
-      <p:sp>
-        <p:nvSpPr>
-          <p:cNvPr id="28" name="TextBox 27">
-            <a:extLst>
-              <a:ext uri="{FF2B5EF4-FFF2-40B4-BE49-F238E27FC236}">
-                <a16:creationId xmlns:a16="http://schemas.microsoft.com/office/drawing/2014/main" id="{22A7209F-855A-CA2B-72BE-9173AE77252C}"/>
-              </a:ext>
-            </a:extLst>
-          </p:cNvPr>
-          <p:cNvSpPr txBox="1"/>
-          <p:nvPr/>
-        </p:nvSpPr>
-        <p:spPr>
-          <a:xfrm>
-            <a:off x="425279" y="1463040"/>
-            <a:ext cx="9699294" cy="4832092"/>
-          </a:xfrm>
-          <a:prstGeom prst="rect">
-            <a:avLst/>
-          </a:prstGeom>
-          <a:noFill/>
-        </p:spPr>
-        <p:txBody>
-          <a:bodyPr wrap="square" rtlCol="0">
-            <a:spAutoFit/>
-          </a:bodyPr>
-          <a:lstStyle/>
-          <a:p>
-            <a:pPr marL="514350" indent="-514350">
-              <a:buFont typeface="Arial" panose="020B0604020202020204" pitchFamily="34" charset="0"/>
-              <a:buChar char="•"/>
-            </a:pPr>
-            <a:r>
-              <a:rPr lang="en-CA" sz="2800" b="1" dirty="0">
-                <a:solidFill>
-                  <a:schemeClr val="bg1"/>
-                </a:solidFill>
-              </a:rPr>
-              <a:t>Feature 1: Phishing Email Detection</a:t>
-            </a:r>
-          </a:p>
-          <a:p>
-            <a:pPr marL="971550" lvl="1" indent="-514350">
-              <a:buFont typeface="Wingdings" panose="05000000000000000000" pitchFamily="2" charset="2"/>
-              <a:buChar char="§"/>
-            </a:pPr>
-            <a:r>
-              <a:rPr lang="en-CA" sz="2800" dirty="0">
-                <a:solidFill>
-                  <a:schemeClr val="bg1"/>
-                </a:solidFill>
-              </a:rPr>
-              <a:t>Python libraries</a:t>
-            </a:r>
-          </a:p>
-          <a:p>
-            <a:pPr marL="1428750" lvl="2" indent="-514350">
-              <a:buFont typeface="Wingdings" panose="05000000000000000000" pitchFamily="2" charset="2"/>
-              <a:buChar char="Ø"/>
-            </a:pPr>
-            <a:r>
-              <a:rPr lang="en-CA" sz="2800" dirty="0">
-                <a:solidFill>
-                  <a:schemeClr val="bg1"/>
-                </a:solidFill>
-              </a:rPr>
-              <a:t>pandas</a:t>
-            </a:r>
-          </a:p>
-          <a:p>
-            <a:pPr marL="1428750" lvl="2" indent="-514350">
-              <a:buFont typeface="Wingdings" panose="05000000000000000000" pitchFamily="2" charset="2"/>
-              <a:buChar char="Ø"/>
-            </a:pPr>
-            <a:r>
-              <a:rPr lang="en-CA" sz="2800" dirty="0" err="1">
-                <a:solidFill>
-                  <a:schemeClr val="bg1"/>
-                </a:solidFill>
-              </a:rPr>
-              <a:t>numpy</a:t>
-            </a:r>
-            <a:endParaRPr lang="en-CA" sz="2800" dirty="0">
-              <a:solidFill>
-                <a:schemeClr val="bg1"/>
-              </a:solidFill>
-            </a:endParaRPr>
-          </a:p>
-          <a:p>
-            <a:pPr marL="1428750" lvl="2" indent="-514350">
-              <a:buFont typeface="Wingdings" panose="05000000000000000000" pitchFamily="2" charset="2"/>
-              <a:buChar char="Ø"/>
-            </a:pPr>
-            <a:r>
-              <a:rPr lang="en-CA" sz="2800" dirty="0">
-                <a:solidFill>
-                  <a:schemeClr val="bg1"/>
-                </a:solidFill>
-              </a:rPr>
-              <a:t>scikit-learn</a:t>
-            </a:r>
-          </a:p>
-          <a:p>
-            <a:pPr marL="1428750" lvl="2" indent="-514350">
-              <a:buFont typeface="Wingdings" panose="05000000000000000000" pitchFamily="2" charset="2"/>
-              <a:buChar char="Ø"/>
-            </a:pPr>
-            <a:r>
-              <a:rPr lang="en-CA" sz="2800" dirty="0" err="1">
-                <a:solidFill>
-                  <a:schemeClr val="bg1"/>
-                </a:solidFill>
-              </a:rPr>
-              <a:t>joblib</a:t>
-            </a:r>
-            <a:endParaRPr lang="en-CA" sz="2800" dirty="0">
-              <a:solidFill>
-                <a:schemeClr val="bg1"/>
-              </a:solidFill>
-            </a:endParaRPr>
-          </a:p>
-          <a:p>
-            <a:pPr marL="1428750" lvl="2" indent="-514350">
-              <a:buFont typeface="Wingdings" panose="05000000000000000000" pitchFamily="2" charset="2"/>
-              <a:buChar char="Ø"/>
-            </a:pPr>
-            <a:r>
-              <a:rPr lang="en-CA" sz="2800" dirty="0" err="1">
-                <a:solidFill>
-                  <a:schemeClr val="bg1"/>
-                </a:solidFill>
-              </a:rPr>
-              <a:t>nltk</a:t>
-            </a:r>
-            <a:endParaRPr lang="en-CA" sz="2800" dirty="0">
-              <a:solidFill>
-                <a:schemeClr val="bg1"/>
-              </a:solidFill>
-            </a:endParaRPr>
-          </a:p>
-          <a:p>
-            <a:pPr marL="971550" lvl="1" indent="-514350">
-              <a:buFont typeface="Wingdings" panose="05000000000000000000" pitchFamily="2" charset="2"/>
-              <a:buChar char="§"/>
-            </a:pPr>
-            <a:endParaRPr lang="en-CA" sz="2800" dirty="0">
-              <a:solidFill>
-                <a:schemeClr val="bg1"/>
-              </a:solidFill>
-            </a:endParaRPr>
-          </a:p>
-          <a:p>
-            <a:pPr marL="971550" lvl="1" indent="-514350">
-              <a:buFont typeface="Wingdings" panose="05000000000000000000" pitchFamily="2" charset="2"/>
-              <a:buChar char="§"/>
-            </a:pPr>
-            <a:r>
-              <a:rPr lang="en-CA" sz="2800" dirty="0">
-                <a:solidFill>
-                  <a:schemeClr val="bg1"/>
-                </a:solidFill>
-              </a:rPr>
-              <a:t>Kaggle datasets</a:t>
-            </a:r>
-          </a:p>
-          <a:p>
-            <a:pPr marL="1428750" lvl="2" indent="-514350">
-              <a:buFont typeface="Wingdings" panose="05000000000000000000" pitchFamily="2" charset="2"/>
-              <a:buChar char="Ø"/>
-            </a:pPr>
-            <a:r>
-              <a:rPr lang="en-CA" sz="2800" dirty="0">
-                <a:solidFill>
-                  <a:schemeClr val="bg1"/>
-                </a:solidFill>
-              </a:rPr>
-              <a:t>Spam Mails Dataset</a:t>
-            </a:r>
-          </a:p>
-          <a:p>
-            <a:pPr marL="1428750" lvl="2" indent="-514350">
-              <a:buFont typeface="Wingdings" panose="05000000000000000000" pitchFamily="2" charset="2"/>
-              <a:buChar char="Ø"/>
-            </a:pPr>
-            <a:r>
-              <a:rPr lang="en-CA" sz="2800" dirty="0">
-                <a:solidFill>
-                  <a:schemeClr val="bg1"/>
-                </a:solidFill>
-              </a:rPr>
-              <a:t>Spam Email Dataset</a:t>
-            </a:r>
-          </a:p>
-        </p:txBody>
-      </p:sp>
-      <p:pic>
-        <p:nvPicPr>
-          <p:cNvPr id="3" name="Picture 2" descr="What is pandas?">
-            <a:extLst>
-              <a:ext uri="{FF2B5EF4-FFF2-40B4-BE49-F238E27FC236}">
-                <a16:creationId xmlns:a16="http://schemas.microsoft.com/office/drawing/2014/main" id="{74B3C13A-8656-BD00-5EF0-E2447C085A29}"/>
-              </a:ext>
-            </a:extLst>
-          </p:cNvPr>
-          <p:cNvPicPr>
-            <a:picLocks noChangeAspect="1" noChangeArrowheads="1"/>
-          </p:cNvPicPr>
-          <p:nvPr/>
-        </p:nvPicPr>
-        <p:blipFill>
-          <a:blip r:embed="rId3">
-            <a:extLst>
-              <a:ext uri="{28A0092B-C50C-407E-A947-70E740481C1C}">
-                <a14:useLocalDpi xmlns:a14="http://schemas.microsoft.com/office/drawing/2010/main" val="0"/>
-              </a:ext>
-            </a:extLst>
-          </a:blip>
-          <a:srcRect/>
-          <a:stretch>
-            <a:fillRect/>
-          </a:stretch>
-        </p:blipFill>
-        <p:spPr bwMode="auto">
-          <a:xfrm>
-            <a:off x="8840039" y="1180273"/>
-            <a:ext cx="2926682" cy="1727222"/>
-          </a:xfrm>
-          <a:prstGeom prst="rect">
-            <a:avLst/>
-          </a:prstGeom>
-          <a:noFill/>
-          <a:extLst>
-            <a:ext uri="{909E8E84-426E-40DD-AFC4-6F175D3DCCD1}">
-              <a14:hiddenFill xmlns:a14="http://schemas.microsoft.com/office/drawing/2010/main">
-                <a:solidFill>
-                  <a:srgbClr val="FFFFFF"/>
-                </a:solidFill>
-              </a14:hiddenFill>
-            </a:ext>
-          </a:extLst>
-        </p:spPr>
-      </p:pic>
-      <p:pic>
-        <p:nvPicPr>
-          <p:cNvPr id="3076" name="Picture 4" descr="Getting Started with NumPy: A Beginner's Guide | by AhmedAgiza | Medium">
-            <a:extLst>
-              <a:ext uri="{FF2B5EF4-FFF2-40B4-BE49-F238E27FC236}">
-                <a16:creationId xmlns:a16="http://schemas.microsoft.com/office/drawing/2014/main" id="{0A5B8E64-8968-77B1-F913-95EB78C33F9F}"/>
-              </a:ext>
-            </a:extLst>
-          </p:cNvPr>
-          <p:cNvPicPr>
-            <a:picLocks noChangeAspect="1" noChangeArrowheads="1"/>
-          </p:cNvPicPr>
-          <p:nvPr/>
-        </p:nvPicPr>
-        <p:blipFill>
-          <a:blip r:embed="rId4">
-            <a:extLst>
-              <a:ext uri="{28A0092B-C50C-407E-A947-70E740481C1C}">
-                <a14:useLocalDpi xmlns:a14="http://schemas.microsoft.com/office/drawing/2010/main" val="0"/>
-              </a:ext>
-            </a:extLst>
-          </a:blip>
-          <a:srcRect/>
-          <a:stretch>
-            <a:fillRect/>
-          </a:stretch>
-        </p:blipFill>
-        <p:spPr bwMode="auto">
-          <a:xfrm>
-            <a:off x="5853724" y="2895205"/>
-            <a:ext cx="3769770" cy="1507908"/>
-          </a:xfrm>
-          <a:prstGeom prst="rect">
-            <a:avLst/>
-          </a:prstGeom>
-          <a:noFill/>
-          <a:extLst>
-            <a:ext uri="{909E8E84-426E-40DD-AFC4-6F175D3DCCD1}">
-              <a14:hiddenFill xmlns:a14="http://schemas.microsoft.com/office/drawing/2010/main">
-                <a:solidFill>
-                  <a:srgbClr val="FFFFFF"/>
-                </a:solidFill>
-              </a14:hiddenFill>
-            </a:ext>
-          </a:extLst>
-        </p:spPr>
-      </p:pic>
-      <p:pic>
-        <p:nvPicPr>
-          <p:cNvPr id="3080" name="Picture 8" descr="scikit-learn - Wikipedia">
-            <a:extLst>
-              <a:ext uri="{FF2B5EF4-FFF2-40B4-BE49-F238E27FC236}">
-                <a16:creationId xmlns:a16="http://schemas.microsoft.com/office/drawing/2014/main" id="{2AB27BD0-3462-D38A-AAD8-230CF19D2EB8}"/>
-              </a:ext>
-            </a:extLst>
-          </p:cNvPr>
-          <p:cNvPicPr>
-            <a:picLocks noChangeAspect="1" noChangeArrowheads="1"/>
-          </p:cNvPicPr>
-          <p:nvPr/>
-        </p:nvPicPr>
-        <p:blipFill>
-          <a:blip r:embed="rId5">
-            <a:extLst>
-              <a:ext uri="{28A0092B-C50C-407E-A947-70E740481C1C}">
-                <a14:useLocalDpi xmlns:a14="http://schemas.microsoft.com/office/drawing/2010/main" val="0"/>
-              </a:ext>
-            </a:extLst>
-          </a:blip>
-          <a:srcRect/>
-          <a:stretch>
-            <a:fillRect/>
-          </a:stretch>
-        </p:blipFill>
-        <p:spPr bwMode="auto">
-          <a:xfrm>
-            <a:off x="8603491" y="4178920"/>
-            <a:ext cx="3042148" cy="1642760"/>
-          </a:xfrm>
-          <a:prstGeom prst="rect">
-            <a:avLst/>
-          </a:prstGeom>
-          <a:noFill/>
-          <a:extLst>
-            <a:ext uri="{909E8E84-426E-40DD-AFC4-6F175D3DCCD1}">
-              <a14:hiddenFill xmlns:a14="http://schemas.microsoft.com/office/drawing/2010/main">
-                <a:solidFill>
-                  <a:srgbClr val="FFFFFF"/>
-                </a:solidFill>
-              </a14:hiddenFill>
-            </a:ext>
-          </a:extLst>
-        </p:spPr>
-      </p:pic>
-    </p:spTree>
-    <p:extLst>
-      <p:ext uri="{BB962C8B-B14F-4D97-AF65-F5344CB8AC3E}">
-        <p14:creationId xmlns:p14="http://schemas.microsoft.com/office/powerpoint/2010/main" val="3774068979"/>
-      </p:ext>
-    </p:extLst>
-  </p:cSld>
-  <p:clrMapOvr>
-    <a:masterClrMapping/>
-  </p:clrMapOvr>
-  <p:timing>
-    <p:tnLst>
-      <p:par>
-        <p:cTn id="1" dur="indefinite" restart="never" nodeType="tmRoot">
-          <p:childTnLst>
-            <p:seq concurrent="1" nextAc="seek">
-              <p:cTn id="2" dur="indefinite" nodeType="mainSeq">
-                <p:childTnLst>
-                  <p:par>
-                    <p:cTn id="3" fill="hold">
-                      <p:stCondLst>
-                        <p:cond delay="indefinite"/>
-                      </p:stCondLst>
-                      <p:childTnLst>
-                        <p:par>
-                          <p:cTn id="4" fill="hold">
-                            <p:stCondLst>
-                              <p:cond delay="0"/>
-                            </p:stCondLst>
-                            <p:childTnLst>
-                              <p:par>
-                                <p:cTn id="5" presetID="1" presetClass="entr" presetSubtype="0" fill="hold" nodeType="clickEffect">
-                                  <p:stCondLst>
-                                    <p:cond delay="0"/>
-                                  </p:stCondLst>
-                                  <p:childTnLst>
-                                    <p:set>
-                                      <p:cBhvr>
-                                        <p:cTn id="6" dur="1" fill="hold">
-                                          <p:stCondLst>
-                                            <p:cond delay="0"/>
-                                          </p:stCondLst>
-                                        </p:cTn>
-                                        <p:tgtEl>
-                                          <p:spTgt spid="28">
-                                            <p:txEl>
-                                              <p:pRg st="0" end="0"/>
-                                            </p:txEl>
-                                          </p:spTgt>
-                                        </p:tgtEl>
-                                        <p:attrNameLst>
-                                          <p:attrName>style.visibility</p:attrName>
-                                        </p:attrNameLst>
-                                      </p:cBhvr>
-                                      <p:to>
-                                        <p:strVal val="visible"/>
-                                      </p:to>
-                                    </p:set>
-                                  </p:childTnLst>
-                                </p:cTn>
-                              </p:par>
-                            </p:childTnLst>
-                          </p:cTn>
-                        </p:par>
-                      </p:childTnLst>
-                    </p:cTn>
-                  </p:par>
-                  <p:par>
-                    <p:cTn id="7" fill="hold">
-                      <p:stCondLst>
-                        <p:cond delay="indefinite"/>
-                      </p:stCondLst>
-                      <p:childTnLst>
-                        <p:par>
-                          <p:cTn id="8" fill="hold">
-                            <p:stCondLst>
-                              <p:cond delay="0"/>
-                            </p:stCondLst>
-                            <p:childTnLst>
-                              <p:par>
-                                <p:cTn id="9" presetID="1" presetClass="entr" presetSubtype="0" fill="hold" nodeType="clickEffect">
-                                  <p:stCondLst>
-                                    <p:cond delay="0"/>
-                                  </p:stCondLst>
-                                  <p:childTnLst>
-                                    <p:set>
-                                      <p:cBhvr>
-                                        <p:cTn id="10" dur="1" fill="hold">
-                                          <p:stCondLst>
-                                            <p:cond delay="0"/>
-                                          </p:stCondLst>
-                                        </p:cTn>
-                                        <p:tgtEl>
-                                          <p:spTgt spid="28">
-                                            <p:txEl>
-                                              <p:pRg st="1" end="1"/>
-                                            </p:txEl>
-                                          </p:spTgt>
-                                        </p:tgtEl>
-                                        <p:attrNameLst>
-                                          <p:attrName>style.visibility</p:attrName>
-                                        </p:attrNameLst>
-                                      </p:cBhvr>
-                                      <p:to>
-                                        <p:strVal val="visible"/>
-                                      </p:to>
-                                    </p:set>
-                                  </p:childTnLst>
-                                </p:cTn>
-                              </p:par>
-                              <p:par>
-                                <p:cTn id="11" presetID="1" presetClass="entr" presetSubtype="0" fill="hold" nodeType="withEffect">
-                                  <p:stCondLst>
-                                    <p:cond delay="0"/>
-                                  </p:stCondLst>
-                                  <p:childTnLst>
-                                    <p:set>
-                                      <p:cBhvr>
-                                        <p:cTn id="12" dur="1" fill="hold">
-                                          <p:stCondLst>
-                                            <p:cond delay="0"/>
-                                          </p:stCondLst>
-                                        </p:cTn>
-                                        <p:tgtEl>
-                                          <p:spTgt spid="28">
-                                            <p:txEl>
-                                              <p:pRg st="2" end="2"/>
-                                            </p:txEl>
-                                          </p:spTgt>
-                                        </p:tgtEl>
-                                        <p:attrNameLst>
-                                          <p:attrName>style.visibility</p:attrName>
-                                        </p:attrNameLst>
-                                      </p:cBhvr>
-                                      <p:to>
-                                        <p:strVal val="visible"/>
-                                      </p:to>
-                                    </p:set>
-                                  </p:childTnLst>
-                                </p:cTn>
-                              </p:par>
-                              <p:par>
-                                <p:cTn id="13" presetID="1" presetClass="entr" presetSubtype="0" fill="hold" nodeType="withEffect">
-                                  <p:stCondLst>
-                                    <p:cond delay="0"/>
-                                  </p:stCondLst>
-                                  <p:childTnLst>
-                                    <p:set>
-                                      <p:cBhvr>
-                                        <p:cTn id="14" dur="1" fill="hold">
-                                          <p:stCondLst>
-                                            <p:cond delay="0"/>
-                                          </p:stCondLst>
-                                        </p:cTn>
-                                        <p:tgtEl>
-                                          <p:spTgt spid="28">
-                                            <p:txEl>
-                                              <p:pRg st="3" end="3"/>
-                                            </p:txEl>
-                                          </p:spTgt>
-                                        </p:tgtEl>
-                                        <p:attrNameLst>
-                                          <p:attrName>style.visibility</p:attrName>
-                                        </p:attrNameLst>
-                                      </p:cBhvr>
-                                      <p:to>
-                                        <p:strVal val="visible"/>
-                                      </p:to>
-                                    </p:set>
-                                  </p:childTnLst>
-                                </p:cTn>
-                              </p:par>
-                              <p:par>
-                                <p:cTn id="15" presetID="1" presetClass="entr" presetSubtype="0" fill="hold" nodeType="withEffect">
-                                  <p:stCondLst>
-                                    <p:cond delay="0"/>
-                                  </p:stCondLst>
-                                  <p:childTnLst>
-                                    <p:set>
-                                      <p:cBhvr>
-                                        <p:cTn id="16" dur="1" fill="hold">
-                                          <p:stCondLst>
-                                            <p:cond delay="0"/>
-                                          </p:stCondLst>
-                                        </p:cTn>
-                                        <p:tgtEl>
-                                          <p:spTgt spid="28">
-                                            <p:txEl>
-                                              <p:pRg st="4" end="4"/>
-                                            </p:txEl>
-                                          </p:spTgt>
-                                        </p:tgtEl>
-                                        <p:attrNameLst>
-                                          <p:attrName>style.visibility</p:attrName>
-                                        </p:attrNameLst>
-                                      </p:cBhvr>
-                                      <p:to>
-                                        <p:strVal val="visible"/>
-                                      </p:to>
-                                    </p:set>
-                                  </p:childTnLst>
-                                </p:cTn>
-                              </p:par>
-                              <p:par>
-                                <p:cTn id="17" presetID="1" presetClass="entr" presetSubtype="0" fill="hold" nodeType="withEffect">
-                                  <p:stCondLst>
-                                    <p:cond delay="0"/>
-                                  </p:stCondLst>
-                                  <p:childTnLst>
-                                    <p:set>
-                                      <p:cBhvr>
-                                        <p:cTn id="18" dur="1" fill="hold">
-                                          <p:stCondLst>
-                                            <p:cond delay="0"/>
-                                          </p:stCondLst>
-                                        </p:cTn>
-                                        <p:tgtEl>
-                                          <p:spTgt spid="28">
-                                            <p:txEl>
-                                              <p:pRg st="5" end="5"/>
-                                            </p:txEl>
-                                          </p:spTgt>
-                                        </p:tgtEl>
-                                        <p:attrNameLst>
-                                          <p:attrName>style.visibility</p:attrName>
-                                        </p:attrNameLst>
-                                      </p:cBhvr>
-                                      <p:to>
-                                        <p:strVal val="visible"/>
-                                      </p:to>
-                                    </p:set>
-                                  </p:childTnLst>
-                                </p:cTn>
-                              </p:par>
-                              <p:par>
-                                <p:cTn id="19" presetID="1" presetClass="entr" presetSubtype="0" fill="hold" nodeType="withEffect">
-                                  <p:stCondLst>
-                                    <p:cond delay="0"/>
-                                  </p:stCondLst>
-                                  <p:childTnLst>
-                                    <p:set>
-                                      <p:cBhvr>
-                                        <p:cTn id="20" dur="1" fill="hold">
-                                          <p:stCondLst>
-                                            <p:cond delay="0"/>
-                                          </p:stCondLst>
-                                        </p:cTn>
-                                        <p:tgtEl>
-                                          <p:spTgt spid="28">
-                                            <p:txEl>
-                                              <p:pRg st="6" end="6"/>
-                                            </p:txEl>
-                                          </p:spTgt>
-                                        </p:tgtEl>
-                                        <p:attrNameLst>
-                                          <p:attrName>style.visibility</p:attrName>
-                                        </p:attrNameLst>
-                                      </p:cBhvr>
-                                      <p:to>
-                                        <p:strVal val="visible"/>
-                                      </p:to>
-                                    </p:set>
-                                  </p:childTnLst>
-                                </p:cTn>
-                              </p:par>
-                              <p:par>
-                                <p:cTn id="21" presetID="1" presetClass="entr" presetSubtype="0" fill="hold" nodeType="withEffect">
-                                  <p:stCondLst>
-                                    <p:cond delay="0"/>
-                                  </p:stCondLst>
-                                  <p:childTnLst>
-                                    <p:set>
-                                      <p:cBhvr>
-                                        <p:cTn id="22" dur="1" fill="hold">
-                                          <p:stCondLst>
-                                            <p:cond delay="0"/>
-                                          </p:stCondLst>
-                                        </p:cTn>
-                                        <p:tgtEl>
-                                          <p:spTgt spid="3076"/>
-                                        </p:tgtEl>
-                                        <p:attrNameLst>
-                                          <p:attrName>style.visibility</p:attrName>
-                                        </p:attrNameLst>
-                                      </p:cBhvr>
-                                      <p:to>
-                                        <p:strVal val="visible"/>
-                                      </p:to>
-                                    </p:set>
-                                  </p:childTnLst>
-                                </p:cTn>
-                              </p:par>
-                              <p:par>
-                                <p:cTn id="23" presetID="1" presetClass="entr" presetSubtype="0" fill="hold" nodeType="withEffect">
-                                  <p:stCondLst>
-                                    <p:cond delay="0"/>
-                                  </p:stCondLst>
-                                  <p:childTnLst>
-                                    <p:set>
-                                      <p:cBhvr>
-                                        <p:cTn id="24" dur="1" fill="hold">
-                                          <p:stCondLst>
-                                            <p:cond delay="0"/>
-                                          </p:stCondLst>
-                                        </p:cTn>
-                                        <p:tgtEl>
-                                          <p:spTgt spid="3"/>
-                                        </p:tgtEl>
-                                        <p:attrNameLst>
-                                          <p:attrName>style.visibility</p:attrName>
-                                        </p:attrNameLst>
-                                      </p:cBhvr>
-                                      <p:to>
-                                        <p:strVal val="visible"/>
-                                      </p:to>
-                                    </p:set>
-                                  </p:childTnLst>
-                                </p:cTn>
-                              </p:par>
-                              <p:par>
-                                <p:cTn id="25" presetID="1" presetClass="entr" presetSubtype="0" fill="hold" nodeType="withEffect">
-                                  <p:stCondLst>
-                                    <p:cond delay="0"/>
-                                  </p:stCondLst>
-                                  <p:childTnLst>
-                                    <p:set>
-                                      <p:cBhvr>
-                                        <p:cTn id="26" dur="1" fill="hold">
-                                          <p:stCondLst>
-                                            <p:cond delay="0"/>
-                                          </p:stCondLst>
-                                        </p:cTn>
-                                        <p:tgtEl>
-                                          <p:spTgt spid="3080"/>
-                                        </p:tgtEl>
-                                        <p:attrNameLst>
-                                          <p:attrName>style.visibility</p:attrName>
-                                        </p:attrNameLst>
-                                      </p:cBhvr>
-                                      <p:to>
-                                        <p:strVal val="visible"/>
-                                      </p:to>
-                                    </p:set>
-                                  </p:childTnLst>
-                                </p:cTn>
-                              </p:par>
-                            </p:childTnLst>
-                          </p:cTn>
-                        </p:par>
-                      </p:childTnLst>
-                    </p:cTn>
-                  </p:par>
-                  <p:par>
-                    <p:cTn id="27" fill="hold">
-                      <p:stCondLst>
-                        <p:cond delay="indefinite"/>
-                      </p:stCondLst>
-                      <p:childTnLst>
-                        <p:par>
-                          <p:cTn id="28" fill="hold">
-                            <p:stCondLst>
-                              <p:cond delay="0"/>
-                            </p:stCondLst>
-                            <p:childTnLst>
-                              <p:par>
-                                <p:cTn id="29" presetID="1" presetClass="entr" presetSubtype="0" fill="hold" nodeType="clickEffect">
-                                  <p:stCondLst>
-                                    <p:cond delay="0"/>
-                                  </p:stCondLst>
-                                  <p:childTnLst>
-                                    <p:set>
-                                      <p:cBhvr>
-                                        <p:cTn id="30" dur="1" fill="hold">
-                                          <p:stCondLst>
-                                            <p:cond delay="0"/>
-                                          </p:stCondLst>
-                                        </p:cTn>
-                                        <p:tgtEl>
-                                          <p:spTgt spid="28">
-                                            <p:txEl>
-                                              <p:pRg st="8" end="8"/>
-                                            </p:txEl>
-                                          </p:spTgt>
-                                        </p:tgtEl>
-                                        <p:attrNameLst>
-                                          <p:attrName>style.visibility</p:attrName>
-                                        </p:attrNameLst>
-                                      </p:cBhvr>
-                                      <p:to>
-                                        <p:strVal val="visible"/>
-                                      </p:to>
-                                    </p:set>
-                                  </p:childTnLst>
-                                </p:cTn>
-                              </p:par>
-                              <p:par>
-                                <p:cTn id="31" presetID="1" presetClass="entr" presetSubtype="0" fill="hold" nodeType="withEffect">
-                                  <p:stCondLst>
-                                    <p:cond delay="0"/>
-                                  </p:stCondLst>
-                                  <p:childTnLst>
-                                    <p:set>
-                                      <p:cBhvr>
-                                        <p:cTn id="32" dur="1" fill="hold">
-                                          <p:stCondLst>
-                                            <p:cond delay="0"/>
-                                          </p:stCondLst>
-                                        </p:cTn>
-                                        <p:tgtEl>
-                                          <p:spTgt spid="28">
-                                            <p:txEl>
-                                              <p:pRg st="9" end="9"/>
-                                            </p:txEl>
-                                          </p:spTgt>
-                                        </p:tgtEl>
-                                        <p:attrNameLst>
-                                          <p:attrName>style.visibility</p:attrName>
-                                        </p:attrNameLst>
-                                      </p:cBhvr>
-                                      <p:to>
-                                        <p:strVal val="visible"/>
-                                      </p:to>
-                                    </p:set>
-                                  </p:childTnLst>
-                                </p:cTn>
-                              </p:par>
-                              <p:par>
-                                <p:cTn id="33" presetID="1" presetClass="entr" presetSubtype="0" fill="hold" nodeType="withEffect">
-                                  <p:stCondLst>
-                                    <p:cond delay="0"/>
-                                  </p:stCondLst>
-                                  <p:childTnLst>
-                                    <p:set>
-                                      <p:cBhvr>
-                                        <p:cTn id="34" dur="1" fill="hold">
-                                          <p:stCondLst>
-                                            <p:cond delay="0"/>
-                                          </p:stCondLst>
-                                        </p:cTn>
-                                        <p:tgtEl>
-                                          <p:spTgt spid="28">
-                                            <p:txEl>
-                                              <p:pRg st="10" end="10"/>
-                                            </p:txEl>
-                                          </p:spTgt>
-                                        </p:tgtEl>
-                                        <p:attrNameLst>
-                                          <p:attrName>style.visibility</p:attrName>
-                                        </p:attrNameLst>
-                                      </p:cBhvr>
-                                      <p:to>
-                                        <p:strVal val="visible"/>
-                                      </p:to>
-                                    </p:set>
-                                  </p:childTnLst>
-                                </p:cTn>
-                              </p:par>
-                            </p:childTnLst>
-                          </p:cTn>
-                        </p:par>
-                      </p:childTnLst>
-                    </p:cTn>
-                  </p:par>
-                </p:childTnLst>
-              </p:cTn>
-              <p:prevCondLst>
-                <p:cond evt="onPrev" delay="0">
-                  <p:tgtEl>
-                    <p:sldTgt/>
-                  </p:tgtEl>
-                </p:cond>
-              </p:prevCondLst>
-              <p:nextCondLst>
-                <p:cond evt="onNext" delay="0">
-                  <p:tgtEl>
-                    <p:sldTgt/>
-                  </p:tgtEl>
-                </p:cond>
-              </p:nextCondLst>
-            </p:seq>
-          </p:childTnLst>
-        </p:cTn>
-      </p:par>
-    </p:tnLst>
-  </p:timing>
-</p:sld>
-</file>
-
-<file path=ppt/slides/slide14.xml><?xml version="1.0" encoding="utf-8"?>
-<p:sld xmlns:a="http://schemas.openxmlformats.org/drawingml/2006/main" xmlns:r="http://schemas.openxmlformats.org/officeDocument/2006/relationships" xmlns:p="http://schemas.openxmlformats.org/presentationml/2006/main">
-  <p:cSld>
-    <p:spTree>
-      <p:nvGrpSpPr>
-        <p:cNvPr id="1" name="">
-          <a:extLst>
-            <a:ext uri="{FF2B5EF4-FFF2-40B4-BE49-F238E27FC236}">
-              <a16:creationId xmlns:a16="http://schemas.microsoft.com/office/drawing/2014/main" id="{B7665979-A682-985D-B3CF-68A971EDBE6A}"/>
-            </a:ext>
-          </a:extLst>
-        </p:cNvPr>
-        <p:cNvGrpSpPr/>
-        <p:nvPr/>
-      </p:nvGrpSpPr>
-      <p:grpSpPr>
-        <a:xfrm>
-          <a:off x="0" y="0"/>
-          <a:ext cx="0" cy="0"/>
-          <a:chOff x="0" y="0"/>
-          <a:chExt cx="0" cy="0"/>
-        </a:xfrm>
-      </p:grpSpPr>
-      <p:pic>
-        <p:nvPicPr>
-          <p:cNvPr id="3074" name="Picture 2" descr="Why AI is the future of Cyber Security - Pioneer Search">
-            <a:extLst>
-              <a:ext uri="{FF2B5EF4-FFF2-40B4-BE49-F238E27FC236}">
-                <a16:creationId xmlns:a16="http://schemas.microsoft.com/office/drawing/2014/main" id="{D9BD1109-B8B7-4036-FC36-00259DAD95DC}"/>
-              </a:ext>
-            </a:extLst>
-          </p:cNvPr>
-          <p:cNvPicPr>
-            <a:picLocks noChangeAspect="1" noChangeArrowheads="1"/>
-          </p:cNvPicPr>
-          <p:nvPr/>
-        </p:nvPicPr>
-        <p:blipFill rotWithShape="1">
-          <a:blip r:embed="rId2">
-            <a:extLst>
-              <a:ext uri="{28A0092B-C50C-407E-A947-70E740481C1C}">
-                <a14:useLocalDpi xmlns:a14="http://schemas.microsoft.com/office/drawing/2010/main" val="0"/>
-              </a:ext>
-            </a:extLst>
-          </a:blip>
-          <a:srcRect l="15540"/>
-          <a:stretch/>
-        </p:blipFill>
-        <p:spPr bwMode="auto">
-          <a:xfrm>
-            <a:off x="20" y="1282"/>
-            <a:ext cx="12191980" cy="6856718"/>
-          </a:xfrm>
-          <a:prstGeom prst="rect">
-            <a:avLst/>
-          </a:prstGeom>
-          <a:noFill/>
-          <a:extLst>
-            <a:ext uri="{909E8E84-426E-40DD-AFC4-6F175D3DCCD1}">
-              <a14:hiddenFill xmlns:a14="http://schemas.microsoft.com/office/drawing/2010/main">
-                <a:solidFill>
-                  <a:srgbClr val="FFFFFF"/>
-                </a:solidFill>
-              </a14:hiddenFill>
-            </a:ext>
-          </a:extLst>
-        </p:spPr>
-      </p:pic>
-      <p:sp>
-        <p:nvSpPr>
-          <p:cNvPr id="2" name="Rectangle 1">
-            <a:extLst>
-              <a:ext uri="{FF2B5EF4-FFF2-40B4-BE49-F238E27FC236}">
-                <a16:creationId xmlns:a16="http://schemas.microsoft.com/office/drawing/2014/main" id="{3C61F58A-D8F7-1B58-1A60-C4F938061E5D}"/>
-              </a:ext>
-            </a:extLst>
-          </p:cNvPr>
-          <p:cNvSpPr/>
-          <p:nvPr/>
-        </p:nvSpPr>
-        <p:spPr>
-          <a:xfrm>
-            <a:off x="0" y="0"/>
-            <a:ext cx="12188952" cy="6858000"/>
-          </a:xfrm>
-          <a:prstGeom prst="rect">
-            <a:avLst/>
-          </a:prstGeom>
-          <a:solidFill>
-            <a:schemeClr val="accent3">
-              <a:lumMod val="50000"/>
-              <a:alpha val="88000"/>
-            </a:schemeClr>
-          </a:solidFill>
-          <a:ln>
-            <a:noFill/>
-          </a:ln>
-        </p:spPr>
-        <p:style>
-          <a:lnRef idx="2">
-            <a:schemeClr val="accent1">
-              <a:shade val="50000"/>
-            </a:schemeClr>
-          </a:lnRef>
-          <a:fillRef idx="1">
-            <a:schemeClr val="accent1"/>
-          </a:fillRef>
-          <a:effectRef idx="0">
-            <a:schemeClr val="accent1"/>
-          </a:effectRef>
-          <a:fontRef idx="minor">
-            <a:schemeClr val="lt1"/>
-          </a:fontRef>
-        </p:style>
-        <p:txBody>
-          <a:bodyPr rtlCol="0" anchor="ctr"/>
-          <a:lstStyle/>
-          <a:p>
-            <a:pPr algn="ctr"/>
-            <a:endParaRPr lang="en-US"/>
-          </a:p>
-        </p:txBody>
-      </p:sp>
-      <p:sp>
-        <p:nvSpPr>
-          <p:cNvPr id="32" name="TextBox 31">
-            <a:extLst>
-              <a:ext uri="{FF2B5EF4-FFF2-40B4-BE49-F238E27FC236}">
-                <a16:creationId xmlns:a16="http://schemas.microsoft.com/office/drawing/2014/main" id="{E851231E-2BE6-1621-D41B-C7F5CC03F583}"/>
-              </a:ext>
-            </a:extLst>
-          </p:cNvPr>
-          <p:cNvSpPr txBox="1"/>
-          <p:nvPr/>
-        </p:nvSpPr>
-        <p:spPr>
-          <a:xfrm>
-            <a:off x="797859" y="280044"/>
-            <a:ext cx="10596282" cy="707886"/>
-          </a:xfrm>
-          <a:prstGeom prst="rect">
-            <a:avLst/>
-          </a:prstGeom>
-          <a:noFill/>
-        </p:spPr>
-        <p:txBody>
-          <a:bodyPr wrap="square" rtlCol="0">
-            <a:spAutoFit/>
-          </a:bodyPr>
-          <a:lstStyle/>
-          <a:p>
-            <a:pPr algn="ctr"/>
-            <a:r>
-              <a:rPr lang="en-US" sz="4000" dirty="0">
-                <a:solidFill>
-                  <a:schemeClr val="bg1"/>
-                </a:solidFill>
-                <a:latin typeface="Georgia" panose="02040502050405020303" pitchFamily="18" charset="0"/>
-              </a:rPr>
-              <a:t>Behind the Scenes: </a:t>
-            </a:r>
-            <a:r>
-              <a:rPr lang="en-CA" sz="4000" dirty="0">
-                <a:solidFill>
-                  <a:schemeClr val="bg1"/>
-                </a:solidFill>
-              </a:rPr>
-              <a:t>Feature Development</a:t>
-            </a:r>
-          </a:p>
-        </p:txBody>
-      </p:sp>
-      <p:sp>
-        <p:nvSpPr>
-          <p:cNvPr id="10" name="TextBox 9">
-            <a:extLst>
-              <a:ext uri="{FF2B5EF4-FFF2-40B4-BE49-F238E27FC236}">
-                <a16:creationId xmlns:a16="http://schemas.microsoft.com/office/drawing/2014/main" id="{E089449B-3096-B941-EF01-3EA5641E9DE5}"/>
-              </a:ext>
-            </a:extLst>
-          </p:cNvPr>
-          <p:cNvSpPr txBox="1"/>
-          <p:nvPr/>
-        </p:nvSpPr>
-        <p:spPr>
-          <a:xfrm>
-            <a:off x="1330960" y="1889760"/>
-            <a:ext cx="9316720" cy="3505200"/>
-          </a:xfrm>
-          <a:prstGeom prst="rect">
-            <a:avLst/>
-          </a:prstGeom>
-        </p:spPr>
-        <p:txBody>
-          <a:bodyPr wrap="square" rtlCol="0">
-            <a:spAutoFit/>
-          </a:bodyPr>
-          <a:lstStyle/>
-          <a:p>
-            <a:endParaRPr lang="en-CA" dirty="0"/>
-          </a:p>
-        </p:txBody>
-      </p:sp>
-      <p:sp>
-        <p:nvSpPr>
-          <p:cNvPr id="28" name="TextBox 27">
-            <a:extLst>
-              <a:ext uri="{FF2B5EF4-FFF2-40B4-BE49-F238E27FC236}">
-                <a16:creationId xmlns:a16="http://schemas.microsoft.com/office/drawing/2014/main" id="{CEDDDDDB-54A6-B7D6-6C18-A0246708773B}"/>
-              </a:ext>
-            </a:extLst>
-          </p:cNvPr>
-          <p:cNvSpPr txBox="1"/>
-          <p:nvPr/>
-        </p:nvSpPr>
-        <p:spPr>
-          <a:xfrm>
-            <a:off x="298948" y="1162852"/>
-            <a:ext cx="9699294" cy="4401205"/>
-          </a:xfrm>
-          <a:prstGeom prst="rect">
-            <a:avLst/>
-          </a:prstGeom>
-          <a:noFill/>
-        </p:spPr>
-        <p:txBody>
-          <a:bodyPr wrap="square" rtlCol="0">
-            <a:spAutoFit/>
-          </a:bodyPr>
-          <a:lstStyle/>
-          <a:p>
-            <a:pPr marL="457200" indent="-457200">
-              <a:buFont typeface="Arial" panose="020B0604020202020204" pitchFamily="34" charset="0"/>
-              <a:buChar char="•"/>
-            </a:pPr>
-            <a:r>
-              <a:rPr lang="en-CA" sz="2800" b="1" dirty="0">
-                <a:solidFill>
-                  <a:schemeClr val="bg1"/>
-                </a:solidFill>
-              </a:rPr>
-              <a:t>Feature 2: Malicious URL Detection</a:t>
-            </a:r>
-          </a:p>
-          <a:p>
-            <a:pPr marL="971550" lvl="1" indent="-514350">
-              <a:buFont typeface="Wingdings" panose="05000000000000000000" pitchFamily="2" charset="2"/>
-              <a:buChar char="§"/>
-            </a:pPr>
-            <a:r>
-              <a:rPr lang="en-CA" sz="2800" dirty="0">
-                <a:solidFill>
-                  <a:schemeClr val="bg1"/>
-                </a:solidFill>
-              </a:rPr>
-              <a:t>Python libraries</a:t>
-            </a:r>
-          </a:p>
-          <a:p>
-            <a:pPr marL="1428750" lvl="2" indent="-514350">
-              <a:buFont typeface="Wingdings" panose="05000000000000000000" pitchFamily="2" charset="2"/>
-              <a:buChar char="Ø"/>
-            </a:pPr>
-            <a:r>
-              <a:rPr lang="en-CA" sz="2800" dirty="0">
-                <a:solidFill>
-                  <a:schemeClr val="bg1"/>
-                </a:solidFill>
-              </a:rPr>
-              <a:t>pandas</a:t>
-            </a:r>
-          </a:p>
-          <a:p>
-            <a:pPr marL="1428750" lvl="2" indent="-514350">
-              <a:buFont typeface="Wingdings" panose="05000000000000000000" pitchFamily="2" charset="2"/>
-              <a:buChar char="Ø"/>
-            </a:pPr>
-            <a:r>
-              <a:rPr lang="en-CA" sz="2800" dirty="0">
-                <a:solidFill>
-                  <a:schemeClr val="bg1"/>
-                </a:solidFill>
-              </a:rPr>
-              <a:t>random</a:t>
-            </a:r>
-          </a:p>
-          <a:p>
-            <a:pPr marL="1428750" lvl="2" indent="-514350">
-              <a:buFont typeface="Wingdings" panose="05000000000000000000" pitchFamily="2" charset="2"/>
-              <a:buChar char="Ø"/>
-            </a:pPr>
-            <a:r>
-              <a:rPr lang="en-CA" sz="2800" dirty="0">
-                <a:solidFill>
-                  <a:schemeClr val="bg1"/>
-                </a:solidFill>
-              </a:rPr>
-              <a:t>pickle</a:t>
-            </a:r>
-          </a:p>
-          <a:p>
-            <a:pPr marL="514350" indent="-514350">
-              <a:buFont typeface="Arial" panose="020B0604020202020204" pitchFamily="34" charset="0"/>
-              <a:buChar char="•"/>
-            </a:pPr>
-            <a:endParaRPr lang="en-CA" sz="2800" dirty="0">
-              <a:solidFill>
-                <a:schemeClr val="bg1"/>
-              </a:solidFill>
-            </a:endParaRPr>
-          </a:p>
-          <a:p>
-            <a:pPr marL="514350" indent="-514350">
-              <a:buFont typeface="Arial" panose="020B0604020202020204" pitchFamily="34" charset="0"/>
-              <a:buChar char="•"/>
-            </a:pPr>
-            <a:endParaRPr lang="en-CA" sz="2800" dirty="0">
-              <a:solidFill>
-                <a:schemeClr val="bg1"/>
-              </a:solidFill>
-            </a:endParaRPr>
-          </a:p>
-          <a:p>
-            <a:pPr marL="514350" indent="-514350">
-              <a:buFont typeface="Arial" panose="020B0604020202020204" pitchFamily="34" charset="0"/>
-              <a:buChar char="•"/>
-            </a:pPr>
-            <a:r>
-              <a:rPr lang="en-CA" sz="2800" b="1" dirty="0">
-                <a:solidFill>
-                  <a:schemeClr val="bg1"/>
-                </a:solidFill>
-              </a:rPr>
-              <a:t>Feature 3: NSFW Content Blocking</a:t>
-            </a:r>
-          </a:p>
-          <a:p>
-            <a:pPr marL="971550" lvl="1" indent="-514350">
-              <a:buFont typeface="Wingdings" panose="05000000000000000000" pitchFamily="2" charset="2"/>
-              <a:buChar char="§"/>
-            </a:pPr>
-            <a:r>
-              <a:rPr lang="en-CA" sz="2800" dirty="0">
-                <a:solidFill>
-                  <a:schemeClr val="bg1"/>
-                </a:solidFill>
-              </a:rPr>
-              <a:t>GitHub repository</a:t>
-            </a:r>
-          </a:p>
-          <a:p>
-            <a:pPr marL="1428750" lvl="2" indent="-514350">
-              <a:buFont typeface="Wingdings" panose="05000000000000000000" pitchFamily="2" charset="2"/>
-              <a:buChar char="Ø"/>
-            </a:pPr>
-            <a:r>
-              <a:rPr lang="en-CA" sz="2800" dirty="0" err="1">
-                <a:solidFill>
-                  <a:schemeClr val="bg1"/>
-                </a:solidFill>
-              </a:rPr>
-              <a:t>nsfwjs</a:t>
-            </a:r>
-            <a:r>
-              <a:rPr lang="en-CA" sz="2800" dirty="0">
-                <a:solidFill>
-                  <a:schemeClr val="bg1"/>
-                </a:solidFill>
-              </a:rPr>
-              <a:t> (API call)</a:t>
-            </a:r>
-          </a:p>
-        </p:txBody>
-      </p:sp>
-      <p:pic>
-        <p:nvPicPr>
-          <p:cNvPr id="3" name="Picture 2" descr="What is pandas?">
-            <a:extLst>
-              <a:ext uri="{FF2B5EF4-FFF2-40B4-BE49-F238E27FC236}">
-                <a16:creationId xmlns:a16="http://schemas.microsoft.com/office/drawing/2014/main" id="{7120AEE2-1F69-68BF-CD25-F13573D75779}"/>
-              </a:ext>
-            </a:extLst>
-          </p:cNvPr>
-          <p:cNvPicPr>
-            <a:picLocks noChangeAspect="1" noChangeArrowheads="1"/>
-          </p:cNvPicPr>
-          <p:nvPr/>
-        </p:nvPicPr>
-        <p:blipFill>
-          <a:blip r:embed="rId3">
-            <a:extLst>
-              <a:ext uri="{28A0092B-C50C-407E-A947-70E740481C1C}">
-                <a14:useLocalDpi xmlns:a14="http://schemas.microsoft.com/office/drawing/2010/main" val="0"/>
-              </a:ext>
-            </a:extLst>
-          </a:blip>
-          <a:srcRect/>
-          <a:stretch>
-            <a:fillRect/>
-          </a:stretch>
-        </p:blipFill>
-        <p:spPr bwMode="auto">
-          <a:xfrm>
-            <a:off x="8840039" y="1180273"/>
-            <a:ext cx="2926682" cy="1727222"/>
-          </a:xfrm>
-          <a:prstGeom prst="rect">
-            <a:avLst/>
-          </a:prstGeom>
-          <a:noFill/>
-          <a:extLst>
-            <a:ext uri="{909E8E84-426E-40DD-AFC4-6F175D3DCCD1}">
-              <a14:hiddenFill xmlns:a14="http://schemas.microsoft.com/office/drawing/2010/main">
-                <a:solidFill>
-                  <a:srgbClr val="FFFFFF"/>
-                </a:solidFill>
-              </a14:hiddenFill>
-            </a:ext>
-          </a:extLst>
-        </p:spPr>
-      </p:pic>
-      <p:pic>
-        <p:nvPicPr>
-          <p:cNvPr id="7" name="Picture 6">
-            <a:extLst>
-              <a:ext uri="{FF2B5EF4-FFF2-40B4-BE49-F238E27FC236}">
-                <a16:creationId xmlns:a16="http://schemas.microsoft.com/office/drawing/2014/main" id="{42D58A9B-90A6-F247-5B97-55C2F0FBC0EB}"/>
-              </a:ext>
-            </a:extLst>
-          </p:cNvPr>
-          <p:cNvPicPr>
-            <a:picLocks noChangeAspect="1"/>
-          </p:cNvPicPr>
-          <p:nvPr/>
-        </p:nvPicPr>
-        <p:blipFill>
-          <a:blip r:embed="rId4"/>
-          <a:srcRect b="5359"/>
-          <a:stretch/>
-        </p:blipFill>
-        <p:spPr>
-          <a:xfrm>
-            <a:off x="6710476" y="3700337"/>
-            <a:ext cx="4259126" cy="1625176"/>
-          </a:xfrm>
-          <a:prstGeom prst="rect">
-            <a:avLst/>
-          </a:prstGeom>
-        </p:spPr>
-      </p:pic>
-    </p:spTree>
-    <p:extLst>
-      <p:ext uri="{BB962C8B-B14F-4D97-AF65-F5344CB8AC3E}">
-        <p14:creationId xmlns:p14="http://schemas.microsoft.com/office/powerpoint/2010/main" val="1734840768"/>
-      </p:ext>
-    </p:extLst>
-  </p:cSld>
-  <p:clrMapOvr>
-    <a:masterClrMapping/>
-  </p:clrMapOvr>
-  <p:timing>
-    <p:tnLst>
-      <p:par>
-        <p:cTn id="1" dur="indefinite" restart="never" nodeType="tmRoot">
-          <p:childTnLst>
-            <p:seq concurrent="1" nextAc="seek">
-              <p:cTn id="2" dur="indefinite" nodeType="mainSeq">
-                <p:childTnLst>
-                  <p:par>
-                    <p:cTn id="3" fill="hold">
-                      <p:stCondLst>
-                        <p:cond delay="indefinite"/>
-                      </p:stCondLst>
-                      <p:childTnLst>
-                        <p:par>
-                          <p:cTn id="4" fill="hold">
-                            <p:stCondLst>
-                              <p:cond delay="0"/>
-                            </p:stCondLst>
-                            <p:childTnLst>
-                              <p:par>
-                                <p:cTn id="5" presetID="1" presetClass="entr" presetSubtype="0" fill="hold" nodeType="clickEffect">
-                                  <p:stCondLst>
-                                    <p:cond delay="0"/>
-                                  </p:stCondLst>
-                                  <p:childTnLst>
-                                    <p:set>
-                                      <p:cBhvr>
-                                        <p:cTn id="6" dur="1" fill="hold">
-                                          <p:stCondLst>
-                                            <p:cond delay="0"/>
-                                          </p:stCondLst>
-                                        </p:cTn>
-                                        <p:tgtEl>
-                                          <p:spTgt spid="28">
-                                            <p:txEl>
-                                              <p:pRg st="1" end="1"/>
-                                            </p:txEl>
-                                          </p:spTgt>
-                                        </p:tgtEl>
-                                        <p:attrNameLst>
-                                          <p:attrName>style.visibility</p:attrName>
-                                        </p:attrNameLst>
-                                      </p:cBhvr>
-                                      <p:to>
-                                        <p:strVal val="visible"/>
-                                      </p:to>
-                                    </p:set>
-                                  </p:childTnLst>
-                                </p:cTn>
-                              </p:par>
-                              <p:par>
-                                <p:cTn id="7" presetID="1" presetClass="entr" presetSubtype="0" fill="hold" nodeType="withEffect">
-                                  <p:stCondLst>
-                                    <p:cond delay="0"/>
-                                  </p:stCondLst>
-                                  <p:childTnLst>
-                                    <p:set>
-                                      <p:cBhvr>
-                                        <p:cTn id="8" dur="1" fill="hold">
-                                          <p:stCondLst>
-                                            <p:cond delay="0"/>
-                                          </p:stCondLst>
-                                        </p:cTn>
-                                        <p:tgtEl>
-                                          <p:spTgt spid="28">
-                                            <p:txEl>
-                                              <p:pRg st="2" end="2"/>
-                                            </p:txEl>
-                                          </p:spTgt>
-                                        </p:tgtEl>
-                                        <p:attrNameLst>
-                                          <p:attrName>style.visibility</p:attrName>
-                                        </p:attrNameLst>
-                                      </p:cBhvr>
-                                      <p:to>
-                                        <p:strVal val="visible"/>
-                                      </p:to>
-                                    </p:set>
-                                  </p:childTnLst>
-                                </p:cTn>
-                              </p:par>
-                              <p:par>
-                                <p:cTn id="9" presetID="1" presetClass="entr" presetSubtype="0" fill="hold" nodeType="withEffect">
-                                  <p:stCondLst>
-                                    <p:cond delay="0"/>
-                                  </p:stCondLst>
-                                  <p:childTnLst>
-                                    <p:set>
-                                      <p:cBhvr>
-                                        <p:cTn id="10" dur="1" fill="hold">
-                                          <p:stCondLst>
-                                            <p:cond delay="0"/>
-                                          </p:stCondLst>
-                                        </p:cTn>
-                                        <p:tgtEl>
-                                          <p:spTgt spid="28">
-                                            <p:txEl>
-                                              <p:pRg st="3" end="3"/>
-                                            </p:txEl>
-                                          </p:spTgt>
-                                        </p:tgtEl>
-                                        <p:attrNameLst>
-                                          <p:attrName>style.visibility</p:attrName>
-                                        </p:attrNameLst>
-                                      </p:cBhvr>
-                                      <p:to>
-                                        <p:strVal val="visible"/>
-                                      </p:to>
-                                    </p:set>
-                                  </p:childTnLst>
-                                </p:cTn>
-                              </p:par>
-                              <p:par>
-                                <p:cTn id="11" presetID="1" presetClass="entr" presetSubtype="0" fill="hold" nodeType="withEffect">
-                                  <p:stCondLst>
-                                    <p:cond delay="0"/>
-                                  </p:stCondLst>
-                                  <p:childTnLst>
-                                    <p:set>
-                                      <p:cBhvr>
-                                        <p:cTn id="12" dur="1" fill="hold">
-                                          <p:stCondLst>
-                                            <p:cond delay="0"/>
-                                          </p:stCondLst>
-                                        </p:cTn>
-                                        <p:tgtEl>
-                                          <p:spTgt spid="28">
-                                            <p:txEl>
-                                              <p:pRg st="4" end="4"/>
-                                            </p:txEl>
-                                          </p:spTgt>
-                                        </p:tgtEl>
-                                        <p:attrNameLst>
-                                          <p:attrName>style.visibility</p:attrName>
-                                        </p:attrNameLst>
-                                      </p:cBhvr>
-                                      <p:to>
-                                        <p:strVal val="visible"/>
-                                      </p:to>
-                                    </p:set>
-                                  </p:childTnLst>
-                                </p:cTn>
-                              </p:par>
-                              <p:par>
-                                <p:cTn id="13" presetID="1" presetClass="entr" presetSubtype="0" fill="hold" nodeType="withEffect">
-                                  <p:stCondLst>
-                                    <p:cond delay="0"/>
-                                  </p:stCondLst>
-                                  <p:childTnLst>
-                                    <p:set>
-                                      <p:cBhvr>
-                                        <p:cTn id="14" dur="1" fill="hold">
-                                          <p:stCondLst>
-                                            <p:cond delay="0"/>
-                                          </p:stCondLst>
-                                        </p:cTn>
-                                        <p:tgtEl>
-                                          <p:spTgt spid="3"/>
-                                        </p:tgtEl>
-                                        <p:attrNameLst>
-                                          <p:attrName>style.visibility</p:attrName>
-                                        </p:attrNameLst>
-                                      </p:cBhvr>
-                                      <p:to>
-                                        <p:strVal val="visible"/>
-                                      </p:to>
-                                    </p:set>
-                                  </p:childTnLst>
-                                </p:cTn>
-                              </p:par>
-                            </p:childTnLst>
-                          </p:cTn>
-                        </p:par>
-                      </p:childTnLst>
-                    </p:cTn>
-                  </p:par>
-                  <p:par>
-                    <p:cTn id="15" fill="hold">
-                      <p:stCondLst>
-                        <p:cond delay="indefinite"/>
-                      </p:stCondLst>
-                      <p:childTnLst>
-                        <p:par>
-                          <p:cTn id="16" fill="hold">
-                            <p:stCondLst>
-                              <p:cond delay="0"/>
-                            </p:stCondLst>
-                            <p:childTnLst>
-                              <p:par>
-                                <p:cTn id="17" presetID="1" presetClass="entr" presetSubtype="0" fill="hold" nodeType="clickEffect">
-                                  <p:stCondLst>
-                                    <p:cond delay="0"/>
-                                  </p:stCondLst>
-                                  <p:childTnLst>
-                                    <p:set>
-                                      <p:cBhvr>
-                                        <p:cTn id="18" dur="1" fill="hold">
-                                          <p:stCondLst>
-                                            <p:cond delay="0"/>
-                                          </p:stCondLst>
-                                        </p:cTn>
-                                        <p:tgtEl>
-                                          <p:spTgt spid="28">
-                                            <p:txEl>
-                                              <p:pRg st="7" end="7"/>
-                                            </p:txEl>
-                                          </p:spTgt>
-                                        </p:tgtEl>
-                                        <p:attrNameLst>
-                                          <p:attrName>style.visibility</p:attrName>
-                                        </p:attrNameLst>
-                                      </p:cBhvr>
-                                      <p:to>
-                                        <p:strVal val="visible"/>
-                                      </p:to>
-                                    </p:set>
-                                  </p:childTnLst>
-                                </p:cTn>
-                              </p:par>
-                            </p:childTnLst>
-                          </p:cTn>
-                        </p:par>
-                      </p:childTnLst>
-                    </p:cTn>
-                  </p:par>
-                  <p:par>
-                    <p:cTn id="19" fill="hold">
-                      <p:stCondLst>
-                        <p:cond delay="indefinite"/>
-                      </p:stCondLst>
-                      <p:childTnLst>
-                        <p:par>
-                          <p:cTn id="20" fill="hold">
-                            <p:stCondLst>
-                              <p:cond delay="0"/>
-                            </p:stCondLst>
-                            <p:childTnLst>
-                              <p:par>
-                                <p:cTn id="21" presetID="1" presetClass="entr" presetSubtype="0" fill="hold" nodeType="clickEffect">
-                                  <p:stCondLst>
-                                    <p:cond delay="0"/>
-                                  </p:stCondLst>
-                                  <p:childTnLst>
-                                    <p:set>
-                                      <p:cBhvr>
-                                        <p:cTn id="22" dur="1" fill="hold">
-                                          <p:stCondLst>
-                                            <p:cond delay="0"/>
-                                          </p:stCondLst>
-                                        </p:cTn>
-                                        <p:tgtEl>
-                                          <p:spTgt spid="28">
-                                            <p:txEl>
-                                              <p:pRg st="8" end="8"/>
-                                            </p:txEl>
-                                          </p:spTgt>
-                                        </p:tgtEl>
-                                        <p:attrNameLst>
-                                          <p:attrName>style.visibility</p:attrName>
-                                        </p:attrNameLst>
-                                      </p:cBhvr>
-                                      <p:to>
-                                        <p:strVal val="visible"/>
-                                      </p:to>
-                                    </p:set>
-                                  </p:childTnLst>
-                                </p:cTn>
-                              </p:par>
-                              <p:par>
-                                <p:cTn id="23" presetID="1" presetClass="entr" presetSubtype="0" fill="hold" nodeType="withEffect">
-                                  <p:stCondLst>
-                                    <p:cond delay="0"/>
-                                  </p:stCondLst>
-                                  <p:childTnLst>
-                                    <p:set>
-                                      <p:cBhvr>
-                                        <p:cTn id="24" dur="1" fill="hold">
-                                          <p:stCondLst>
-                                            <p:cond delay="0"/>
-                                          </p:stCondLst>
-                                        </p:cTn>
-                                        <p:tgtEl>
-                                          <p:spTgt spid="28">
-                                            <p:txEl>
-                                              <p:pRg st="9" end="9"/>
-                                            </p:txEl>
-                                          </p:spTgt>
-                                        </p:tgtEl>
-                                        <p:attrNameLst>
-                                          <p:attrName>style.visibility</p:attrName>
-                                        </p:attrNameLst>
-                                      </p:cBhvr>
-                                      <p:to>
-                                        <p:strVal val="visible"/>
-                                      </p:to>
-                                    </p:set>
-                                  </p:childTnLst>
-                                </p:cTn>
-                              </p:par>
-                              <p:par>
-                                <p:cTn id="25" presetID="1" presetClass="entr" presetSubtype="0" fill="hold" nodeType="withEffect">
-                                  <p:stCondLst>
-                                    <p:cond delay="0"/>
-                                  </p:stCondLst>
-                                  <p:childTnLst>
-                                    <p:set>
-                                      <p:cBhvr>
-                                        <p:cTn id="26" dur="1" fill="hold">
-                                          <p:stCondLst>
-                                            <p:cond delay="0"/>
-                                          </p:stCondLst>
-                                        </p:cTn>
-                                        <p:tgtEl>
-                                          <p:spTgt spid="7"/>
-                                        </p:tgtEl>
-                                        <p:attrNameLst>
-                                          <p:attrName>style.visibility</p:attrName>
-                                        </p:attrNameLst>
-                                      </p:cBhvr>
-                                      <p:to>
-                                        <p:strVal val="visible"/>
-                                      </p:to>
-                                    </p:set>
-                                  </p:childTnLst>
-                                </p:cTn>
-                              </p:par>
-                            </p:childTnLst>
-                          </p:cTn>
-                        </p:par>
-                      </p:childTnLst>
-                    </p:cTn>
-                  </p:par>
-                </p:childTnLst>
-              </p:cTn>
-              <p:prevCondLst>
-                <p:cond evt="onPrev" delay="0">
-                  <p:tgtEl>
-                    <p:sldTgt/>
-                  </p:tgtEl>
-                </p:cond>
-              </p:prevCondLst>
-              <p:nextCondLst>
-                <p:cond evt="onNext" delay="0">
-                  <p:tgtEl>
-                    <p:sldTgt/>
-                  </p:tgtEl>
-                </p:cond>
-              </p:nextCondLst>
-            </p:seq>
-          </p:childTnLst>
-        </p:cTn>
-      </p:par>
-    </p:tnLst>
-  </p:timing>
-</p:sld>
-</file>
-
-<file path=ppt/slides/slide15.xml><?xml version="1.0" encoding="utf-8"?>
-<p:sld xmlns:a="http://schemas.openxmlformats.org/drawingml/2006/main" xmlns:r="http://schemas.openxmlformats.org/officeDocument/2006/relationships" xmlns:p="http://schemas.openxmlformats.org/presentationml/2006/main">
-  <p:cSld>
-    <p:spTree>
-      <p:nvGrpSpPr>
-        <p:cNvPr id="1" name="">
-          <a:extLst>
-            <a:ext uri="{FF2B5EF4-FFF2-40B4-BE49-F238E27FC236}">
               <a16:creationId xmlns:a16="http://schemas.microsoft.com/office/drawing/2014/main" id="{40460C70-71A6-CD59-FC6E-6C77253ABF77}"/>
             </a:ext>
           </a:extLst>
@@ -7002,7 +4754,25 @@
                 </a:solidFill>
                 <a:latin typeface="Georgia" panose="02040502050405020303" pitchFamily="18" charset="0"/>
               </a:rPr>
-              <a:t>Evolving Secure Go: Next Steps</a:t>
+              <a:t>What’s Next for </a:t>
+            </a:r>
+            <a:r>
+              <a:rPr lang="en-US" sz="4000" dirty="0" err="1">
+                <a:solidFill>
+                  <a:schemeClr val="bg1"/>
+                </a:solidFill>
+                <a:latin typeface="Georgia" panose="02040502050405020303" pitchFamily="18" charset="0"/>
+              </a:rPr>
+              <a:t>SecureGO</a:t>
+            </a:r>
+            <a:r>
+              <a:rPr lang="en-US" sz="4000" dirty="0">
+                <a:solidFill>
+                  <a:schemeClr val="bg1"/>
+                </a:solidFill>
+                <a:latin typeface="Georgia" panose="02040502050405020303" pitchFamily="18" charset="0"/>
+              </a:rPr>
+              <a:t>?</a:t>
             </a:r>
           </a:p>
         </p:txBody>
@@ -7611,7 +5381,7 @@
 </p:sld>
 </file>
 
-<file path=ppt/slides/slide16.xml><?xml version="1.0" encoding="utf-8"?>
+<file path=ppt/slides/slide13.xml><?xml version="1.0" encoding="utf-8"?>
 <p:sld xmlns:a="http://schemas.openxmlformats.org/drawingml/2006/main" xmlns:r="http://schemas.openxmlformats.org/officeDocument/2006/relationships" xmlns:p="http://schemas.openxmlformats.org/presentationml/2006/main">
   <p:cSld>
     <p:spTree>
@@ -7764,15 +5534,6 @@
           <a:p>
             <a:pPr algn="ctr"/>
             <a:r>
-              <a:rPr lang="en-US" sz="4000" dirty="0">
-                <a:solidFill>
-                  <a:schemeClr val="bg1"/>
-                </a:solidFill>
-                <a:latin typeface="Georgia" panose="02040502050405020303" pitchFamily="18" charset="0"/>
-              </a:rPr>
-              <a:t>Conclusion: </a:t>
-            </a:r>
-            <a:r>
               <a:rPr lang="en-US" sz="4000" dirty="0" err="1">
                 <a:solidFill>
                   <a:schemeClr val="bg1"/>
@@ -8028,183 +5789,1633 @@
   <p:clrMapOvr>
     <a:masterClrMapping/>
   </p:clrMapOvr>
-  <p:timing>
-    <p:tnLst>
-      <p:par>
-        <p:cTn id="1" dur="indefinite" restart="never" nodeType="tmRoot">
-          <p:childTnLst>
-            <p:seq concurrent="1" nextAc="seek">
-              <p:cTn id="2" dur="indefinite" nodeType="mainSeq">
-                <p:childTnLst>
-                  <p:par>
-                    <p:cTn id="3" fill="hold">
-                      <p:stCondLst>
-                        <p:cond delay="indefinite"/>
-                      </p:stCondLst>
-                      <p:childTnLst>
-                        <p:par>
-                          <p:cTn id="4" fill="hold">
-                            <p:stCondLst>
-                              <p:cond delay="0"/>
-                            </p:stCondLst>
-                            <p:childTnLst>
-                              <p:par>
-                                <p:cTn id="5" presetID="1" presetClass="entr" presetSubtype="0" fill="hold" nodeType="clickEffect">
-                                  <p:stCondLst>
-                                    <p:cond delay="0"/>
-                                  </p:stCondLst>
-                                  <p:childTnLst>
-                                    <p:set>
-                                      <p:cBhvr>
-                                        <p:cTn id="6" dur="1" fill="hold">
-                                          <p:stCondLst>
-                                            <p:cond delay="0"/>
-                                          </p:stCondLst>
-                                        </p:cTn>
-                                        <p:tgtEl>
-                                          <p:spTgt spid="28">
-                                            <p:txEl>
-                                              <p:pRg st="0" end="0"/>
-                                            </p:txEl>
-                                          </p:spTgt>
-                                        </p:tgtEl>
-                                        <p:attrNameLst>
-                                          <p:attrName>style.visibility</p:attrName>
-                                        </p:attrNameLst>
-                                      </p:cBhvr>
-                                      <p:to>
-                                        <p:strVal val="visible"/>
-                                      </p:to>
-                                    </p:set>
-                                  </p:childTnLst>
-                                </p:cTn>
-                              </p:par>
-                            </p:childTnLst>
-                          </p:cTn>
-                        </p:par>
-                      </p:childTnLst>
-                    </p:cTn>
-                  </p:par>
-                  <p:par>
-                    <p:cTn id="7" fill="hold">
-                      <p:stCondLst>
-                        <p:cond delay="indefinite"/>
-                      </p:stCondLst>
-                      <p:childTnLst>
-                        <p:par>
-                          <p:cTn id="8" fill="hold">
-                            <p:stCondLst>
-                              <p:cond delay="0"/>
-                            </p:stCondLst>
-                            <p:childTnLst>
-                              <p:par>
-                                <p:cTn id="9" presetID="1" presetClass="entr" presetSubtype="0" fill="hold" nodeType="clickEffect">
-                                  <p:stCondLst>
-                                    <p:cond delay="0"/>
-                                  </p:stCondLst>
-                                  <p:childTnLst>
-                                    <p:set>
-                                      <p:cBhvr>
-                                        <p:cTn id="10" dur="1" fill="hold">
-                                          <p:stCondLst>
-                                            <p:cond delay="0"/>
-                                          </p:stCondLst>
-                                        </p:cTn>
-                                        <p:tgtEl>
-                                          <p:spTgt spid="28">
-                                            <p:txEl>
-                                              <p:pRg st="3" end="3"/>
-                                            </p:txEl>
-                                          </p:spTgt>
-                                        </p:tgtEl>
-                                        <p:attrNameLst>
-                                          <p:attrName>style.visibility</p:attrName>
-                                        </p:attrNameLst>
-                                      </p:cBhvr>
-                                      <p:to>
-                                        <p:strVal val="visible"/>
-                                      </p:to>
-                                    </p:set>
-                                  </p:childTnLst>
-                                </p:cTn>
-                              </p:par>
-                            </p:childTnLst>
-                          </p:cTn>
-                        </p:par>
-                      </p:childTnLst>
-                    </p:cTn>
-                  </p:par>
-                  <p:par>
-                    <p:cTn id="11" fill="hold">
-                      <p:stCondLst>
-                        <p:cond delay="indefinite"/>
-                      </p:stCondLst>
-                      <p:childTnLst>
-                        <p:par>
-                          <p:cTn id="12" fill="hold">
-                            <p:stCondLst>
-                              <p:cond delay="0"/>
-                            </p:stCondLst>
-                            <p:childTnLst>
-                              <p:par>
-                                <p:cTn id="13" presetID="1" presetClass="entr" presetSubtype="0" fill="hold" nodeType="clickEffect">
-                                  <p:stCondLst>
-                                    <p:cond delay="0"/>
-                                  </p:stCondLst>
-                                  <p:childTnLst>
-                                    <p:set>
-                                      <p:cBhvr>
-                                        <p:cTn id="14" dur="1" fill="hold">
-                                          <p:stCondLst>
-                                            <p:cond delay="0"/>
-                                          </p:stCondLst>
-                                        </p:cTn>
-                                        <p:tgtEl>
-                                          <p:spTgt spid="28">
-                                            <p:txEl>
-                                              <p:pRg st="6" end="6"/>
-                                            </p:txEl>
-                                          </p:spTgt>
-                                        </p:tgtEl>
-                                        <p:attrNameLst>
-                                          <p:attrName>style.visibility</p:attrName>
-                                        </p:attrNameLst>
-                                      </p:cBhvr>
-                                      <p:to>
-                                        <p:strVal val="visible"/>
-                                      </p:to>
-                                    </p:set>
-                                  </p:childTnLst>
-                                </p:cTn>
-                              </p:par>
-                            </p:childTnLst>
-                          </p:cTn>
-                        </p:par>
-                      </p:childTnLst>
-                    </p:cTn>
-                  </p:par>
-                </p:childTnLst>
-              </p:cTn>
-              <p:prevCondLst>
-                <p:cond evt="onPrev" delay="0">
-                  <p:tgtEl>
-                    <p:sldTgt/>
-                  </p:tgtEl>
-                </p:cond>
-              </p:prevCondLst>
-              <p:nextCondLst>
-                <p:cond evt="onNext" delay="0">
-                  <p:tgtEl>
-                    <p:sldTgt/>
-                  </p:tgtEl>
-                </p:cond>
-              </p:nextCondLst>
-            </p:seq>
-          </p:childTnLst>
-        </p:cTn>
-      </p:par>
-    </p:tnLst>
-  </p:timing>
+</p:sld>
+</file>
+
+<file path=ppt/slides/slide14.xml><?xml version="1.0" encoding="utf-8"?>
+<p:sld xmlns:a="http://schemas.openxmlformats.org/drawingml/2006/main" xmlns:r="http://schemas.openxmlformats.org/officeDocument/2006/relationships" xmlns:p="http://schemas.openxmlformats.org/presentationml/2006/main">
+  <p:cSld>
+    <p:spTree>
+      <p:nvGrpSpPr>
+        <p:cNvPr id="1" name="">
+          <a:extLst>
+            <a:ext uri="{FF2B5EF4-FFF2-40B4-BE49-F238E27FC236}">
+              <a16:creationId xmlns:a16="http://schemas.microsoft.com/office/drawing/2014/main" id="{7AB464A0-CEDF-4B23-5564-C7BDA261CB7D}"/>
+            </a:ext>
+          </a:extLst>
+        </p:cNvPr>
+        <p:cNvGrpSpPr/>
+        <p:nvPr/>
+      </p:nvGrpSpPr>
+      <p:grpSpPr>
+        <a:xfrm>
+          <a:off x="0" y="0"/>
+          <a:ext cx="0" cy="0"/>
+          <a:chOff x="0" y="0"/>
+          <a:chExt cx="0" cy="0"/>
+        </a:xfrm>
+      </p:grpSpPr>
+      <p:pic>
+        <p:nvPicPr>
+          <p:cNvPr id="3074" name="Picture 2" descr="Why AI is the future of Cyber Security - Pioneer Search">
+            <a:extLst>
+              <a:ext uri="{FF2B5EF4-FFF2-40B4-BE49-F238E27FC236}">
+                <a16:creationId xmlns:a16="http://schemas.microsoft.com/office/drawing/2014/main" id="{6F91DF99-EE91-DEF5-1682-A1157A888C79}"/>
+              </a:ext>
+            </a:extLst>
+          </p:cNvPr>
+          <p:cNvPicPr>
+            <a:picLocks noChangeAspect="1" noChangeArrowheads="1"/>
+          </p:cNvPicPr>
+          <p:nvPr/>
+        </p:nvPicPr>
+        <p:blipFill rotWithShape="1">
+          <a:blip r:embed="rId2">
+            <a:extLst>
+              <a:ext uri="{28A0092B-C50C-407E-A947-70E740481C1C}">
+                <a14:useLocalDpi xmlns:a14="http://schemas.microsoft.com/office/drawing/2010/main" val="0"/>
+              </a:ext>
+            </a:extLst>
+          </a:blip>
+          <a:srcRect l="15540"/>
+          <a:stretch/>
+        </p:blipFill>
+        <p:spPr bwMode="auto">
+          <a:xfrm>
+            <a:off x="20" y="1282"/>
+            <a:ext cx="12191980" cy="6856718"/>
+          </a:xfrm>
+          <a:prstGeom prst="rect">
+            <a:avLst/>
+          </a:prstGeom>
+          <a:noFill/>
+          <a:extLst>
+            <a:ext uri="{909E8E84-426E-40DD-AFC4-6F175D3DCCD1}">
+              <a14:hiddenFill xmlns:a14="http://schemas.microsoft.com/office/drawing/2010/main">
+                <a:solidFill>
+                  <a:srgbClr val="FFFFFF"/>
+                </a:solidFill>
+              </a14:hiddenFill>
+            </a:ext>
+          </a:extLst>
+        </p:spPr>
+      </p:pic>
+      <p:sp>
+        <p:nvSpPr>
+          <p:cNvPr id="2" name="Rectangle 1">
+            <a:extLst>
+              <a:ext uri="{FF2B5EF4-FFF2-40B4-BE49-F238E27FC236}">
+                <a16:creationId xmlns:a16="http://schemas.microsoft.com/office/drawing/2014/main" id="{695505FD-BF6C-D9C2-309D-3924910386E1}"/>
+              </a:ext>
+            </a:extLst>
+          </p:cNvPr>
+          <p:cNvSpPr/>
+          <p:nvPr/>
+        </p:nvSpPr>
+        <p:spPr>
+          <a:xfrm>
+            <a:off x="0" y="0"/>
+            <a:ext cx="12188952" cy="6858000"/>
+          </a:xfrm>
+          <a:prstGeom prst="rect">
+            <a:avLst/>
+          </a:prstGeom>
+          <a:solidFill>
+            <a:schemeClr val="accent3">
+              <a:lumMod val="50000"/>
+              <a:alpha val="88000"/>
+            </a:schemeClr>
+          </a:solidFill>
+          <a:ln>
+            <a:noFill/>
+          </a:ln>
+        </p:spPr>
+        <p:style>
+          <a:lnRef idx="2">
+            <a:schemeClr val="accent1">
+              <a:shade val="50000"/>
+            </a:schemeClr>
+          </a:lnRef>
+          <a:fillRef idx="1">
+            <a:schemeClr val="accent1"/>
+          </a:fillRef>
+          <a:effectRef idx="0">
+            <a:schemeClr val="accent1"/>
+          </a:effectRef>
+          <a:fontRef idx="minor">
+            <a:schemeClr val="lt1"/>
+          </a:fontRef>
+        </p:style>
+        <p:txBody>
+          <a:bodyPr rtlCol="0" anchor="ctr"/>
+          <a:lstStyle/>
+          <a:p>
+            <a:pPr algn="ctr"/>
+            <a:endParaRPr lang="en-US"/>
+          </a:p>
+        </p:txBody>
+      </p:sp>
+      <p:sp>
+        <p:nvSpPr>
+          <p:cNvPr id="32" name="TextBox 31">
+            <a:extLst>
+              <a:ext uri="{FF2B5EF4-FFF2-40B4-BE49-F238E27FC236}">
+                <a16:creationId xmlns:a16="http://schemas.microsoft.com/office/drawing/2014/main" id="{00BC68FA-8F98-E10A-E2AD-C05C950392A2}"/>
+              </a:ext>
+            </a:extLst>
+          </p:cNvPr>
+          <p:cNvSpPr txBox="1"/>
+          <p:nvPr/>
+        </p:nvSpPr>
+        <p:spPr>
+          <a:xfrm>
+            <a:off x="691179" y="2705725"/>
+            <a:ext cx="10596282" cy="1446550"/>
+          </a:xfrm>
+          <a:prstGeom prst="rect">
+            <a:avLst/>
+          </a:prstGeom>
+          <a:noFill/>
+        </p:spPr>
+        <p:txBody>
+          <a:bodyPr wrap="square" rtlCol="0">
+            <a:spAutoFit/>
+          </a:bodyPr>
+          <a:lstStyle/>
+          <a:p>
+            <a:pPr algn="ctr"/>
+            <a:r>
+              <a:rPr lang="en-US" sz="8800" dirty="0">
+                <a:solidFill>
+                  <a:schemeClr val="bg1"/>
+                </a:solidFill>
+                <a:latin typeface="Georgia" panose="02040502050405020303" pitchFamily="18" charset="0"/>
+              </a:rPr>
+              <a:t>Appendix</a:t>
+            </a:r>
+          </a:p>
+        </p:txBody>
+      </p:sp>
+      <p:sp>
+        <p:nvSpPr>
+          <p:cNvPr id="10" name="TextBox 9">
+            <a:extLst>
+              <a:ext uri="{FF2B5EF4-FFF2-40B4-BE49-F238E27FC236}">
+                <a16:creationId xmlns:a16="http://schemas.microsoft.com/office/drawing/2014/main" id="{1574E2A2-1C50-3EF5-A6E0-C10CA07D91FC}"/>
+              </a:ext>
+            </a:extLst>
+          </p:cNvPr>
+          <p:cNvSpPr txBox="1"/>
+          <p:nvPr/>
+        </p:nvSpPr>
+        <p:spPr>
+          <a:xfrm>
+            <a:off x="1330960" y="1889760"/>
+            <a:ext cx="9316720" cy="3505200"/>
+          </a:xfrm>
+          <a:prstGeom prst="rect">
+            <a:avLst/>
+          </a:prstGeom>
+        </p:spPr>
+        <p:txBody>
+          <a:bodyPr wrap="square" rtlCol="0">
+            <a:spAutoFit/>
+          </a:bodyPr>
+          <a:lstStyle/>
+          <a:p>
+            <a:endParaRPr lang="en-CA" dirty="0"/>
+          </a:p>
+        </p:txBody>
+      </p:sp>
+    </p:spTree>
+    <p:extLst>
+      <p:ext uri="{BB962C8B-B14F-4D97-AF65-F5344CB8AC3E}">
+        <p14:creationId xmlns:p14="http://schemas.microsoft.com/office/powerpoint/2010/main" val="665667121"/>
+      </p:ext>
+    </p:extLst>
+  </p:cSld>
+  <p:clrMapOvr>
+    <a:masterClrMapping/>
+  </p:clrMapOvr>
+</p:sld>
+</file>
+
+<file path=ppt/slides/slide15.xml><?xml version="1.0" encoding="utf-8"?>
+<p:sld xmlns:a="http://schemas.openxmlformats.org/drawingml/2006/main" xmlns:r="http://schemas.openxmlformats.org/officeDocument/2006/relationships" xmlns:p="http://schemas.openxmlformats.org/presentationml/2006/main">
+  <p:cSld>
+    <p:spTree>
+      <p:nvGrpSpPr>
+        <p:cNvPr id="1" name="">
+          <a:extLst>
+            <a:ext uri="{FF2B5EF4-FFF2-40B4-BE49-F238E27FC236}">
+              <a16:creationId xmlns:a16="http://schemas.microsoft.com/office/drawing/2014/main" id="{3404E2C0-6DCD-AB3A-C9FA-D2B0FB9830D8}"/>
+            </a:ext>
+          </a:extLst>
+        </p:cNvPr>
+        <p:cNvGrpSpPr/>
+        <p:nvPr/>
+      </p:nvGrpSpPr>
+      <p:grpSpPr>
+        <a:xfrm>
+          <a:off x="0" y="0"/>
+          <a:ext cx="0" cy="0"/>
+          <a:chOff x="0" y="0"/>
+          <a:chExt cx="0" cy="0"/>
+        </a:xfrm>
+      </p:grpSpPr>
+      <p:pic>
+        <p:nvPicPr>
+          <p:cNvPr id="3074" name="Picture 2" descr="Why AI is the future of Cyber Security - Pioneer Search">
+            <a:extLst>
+              <a:ext uri="{FF2B5EF4-FFF2-40B4-BE49-F238E27FC236}">
+                <a16:creationId xmlns:a16="http://schemas.microsoft.com/office/drawing/2014/main" id="{F1329317-7206-327A-26EF-78722C6CB82B}"/>
+              </a:ext>
+            </a:extLst>
+          </p:cNvPr>
+          <p:cNvPicPr>
+            <a:picLocks noChangeAspect="1" noChangeArrowheads="1"/>
+          </p:cNvPicPr>
+          <p:nvPr/>
+        </p:nvPicPr>
+        <p:blipFill rotWithShape="1">
+          <a:blip r:embed="rId2">
+            <a:extLst>
+              <a:ext uri="{28A0092B-C50C-407E-A947-70E740481C1C}">
+                <a14:useLocalDpi xmlns:a14="http://schemas.microsoft.com/office/drawing/2010/main" val="0"/>
+              </a:ext>
+            </a:extLst>
+          </a:blip>
+          <a:srcRect l="15540"/>
+          <a:stretch/>
+        </p:blipFill>
+        <p:spPr bwMode="auto">
+          <a:xfrm>
+            <a:off x="20" y="1282"/>
+            <a:ext cx="12191980" cy="6856718"/>
+          </a:xfrm>
+          <a:prstGeom prst="rect">
+            <a:avLst/>
+          </a:prstGeom>
+          <a:noFill/>
+          <a:extLst>
+            <a:ext uri="{909E8E84-426E-40DD-AFC4-6F175D3DCCD1}">
+              <a14:hiddenFill xmlns:a14="http://schemas.microsoft.com/office/drawing/2010/main">
+                <a:solidFill>
+                  <a:srgbClr val="FFFFFF"/>
+                </a:solidFill>
+              </a14:hiddenFill>
+            </a:ext>
+          </a:extLst>
+        </p:spPr>
+      </p:pic>
+      <p:sp>
+        <p:nvSpPr>
+          <p:cNvPr id="2" name="Rectangle 1">
+            <a:extLst>
+              <a:ext uri="{FF2B5EF4-FFF2-40B4-BE49-F238E27FC236}">
+                <a16:creationId xmlns:a16="http://schemas.microsoft.com/office/drawing/2014/main" id="{276A5141-2659-2E30-7799-9BEC2B06E641}"/>
+              </a:ext>
+            </a:extLst>
+          </p:cNvPr>
+          <p:cNvSpPr/>
+          <p:nvPr/>
+        </p:nvSpPr>
+        <p:spPr>
+          <a:xfrm>
+            <a:off x="0" y="0"/>
+            <a:ext cx="12188952" cy="6858000"/>
+          </a:xfrm>
+          <a:prstGeom prst="rect">
+            <a:avLst/>
+          </a:prstGeom>
+          <a:solidFill>
+            <a:schemeClr val="accent3">
+              <a:lumMod val="50000"/>
+              <a:alpha val="88000"/>
+            </a:schemeClr>
+          </a:solidFill>
+          <a:ln>
+            <a:noFill/>
+          </a:ln>
+        </p:spPr>
+        <p:style>
+          <a:lnRef idx="2">
+            <a:schemeClr val="accent1">
+              <a:shade val="50000"/>
+            </a:schemeClr>
+          </a:lnRef>
+          <a:fillRef idx="1">
+            <a:schemeClr val="accent1"/>
+          </a:fillRef>
+          <a:effectRef idx="0">
+            <a:schemeClr val="accent1"/>
+          </a:effectRef>
+          <a:fontRef idx="minor">
+            <a:schemeClr val="lt1"/>
+          </a:fontRef>
+        </p:style>
+        <p:txBody>
+          <a:bodyPr rtlCol="0" anchor="ctr"/>
+          <a:lstStyle/>
+          <a:p>
+            <a:pPr algn="ctr"/>
+            <a:endParaRPr lang="en-US"/>
+          </a:p>
+        </p:txBody>
+      </p:sp>
+      <p:sp>
+        <p:nvSpPr>
+          <p:cNvPr id="32" name="TextBox 31">
+            <a:extLst>
+              <a:ext uri="{FF2B5EF4-FFF2-40B4-BE49-F238E27FC236}">
+                <a16:creationId xmlns:a16="http://schemas.microsoft.com/office/drawing/2014/main" id="{7A97570B-D496-9529-6B86-9BC08157F230}"/>
+              </a:ext>
+            </a:extLst>
+          </p:cNvPr>
+          <p:cNvSpPr txBox="1"/>
+          <p:nvPr/>
+        </p:nvSpPr>
+        <p:spPr>
+          <a:xfrm>
+            <a:off x="797859" y="280044"/>
+            <a:ext cx="10596282" cy="707886"/>
+          </a:xfrm>
+          <a:prstGeom prst="rect">
+            <a:avLst/>
+          </a:prstGeom>
+          <a:noFill/>
+        </p:spPr>
+        <p:txBody>
+          <a:bodyPr wrap="square" rtlCol="0">
+            <a:spAutoFit/>
+          </a:bodyPr>
+          <a:lstStyle/>
+          <a:p>
+            <a:pPr algn="ctr"/>
+            <a:r>
+              <a:rPr lang="en-US" sz="4000" dirty="0">
+                <a:solidFill>
+                  <a:schemeClr val="bg1"/>
+                </a:solidFill>
+                <a:latin typeface="Georgia" panose="02040502050405020303" pitchFamily="18" charset="0"/>
+              </a:rPr>
+              <a:t>Behind the Scenes: </a:t>
+            </a:r>
+            <a:r>
+              <a:rPr lang="en-CA" sz="4000" dirty="0">
+                <a:solidFill>
+                  <a:schemeClr val="bg1"/>
+                </a:solidFill>
+              </a:rPr>
+              <a:t>Core Tech Stack</a:t>
+            </a:r>
+          </a:p>
+        </p:txBody>
+      </p:sp>
+      <p:sp>
+        <p:nvSpPr>
+          <p:cNvPr id="10" name="TextBox 9">
+            <a:extLst>
+              <a:ext uri="{FF2B5EF4-FFF2-40B4-BE49-F238E27FC236}">
+                <a16:creationId xmlns:a16="http://schemas.microsoft.com/office/drawing/2014/main" id="{516FE674-A534-5D5C-3563-349C6D963A02}"/>
+              </a:ext>
+            </a:extLst>
+          </p:cNvPr>
+          <p:cNvSpPr txBox="1"/>
+          <p:nvPr/>
+        </p:nvSpPr>
+        <p:spPr>
+          <a:xfrm>
+            <a:off x="1330960" y="1889760"/>
+            <a:ext cx="9316720" cy="3505200"/>
+          </a:xfrm>
+          <a:prstGeom prst="rect">
+            <a:avLst/>
+          </a:prstGeom>
+        </p:spPr>
+        <p:txBody>
+          <a:bodyPr wrap="square" rtlCol="0">
+            <a:spAutoFit/>
+          </a:bodyPr>
+          <a:lstStyle/>
+          <a:p>
+            <a:endParaRPr lang="en-CA" dirty="0"/>
+          </a:p>
+        </p:txBody>
+      </p:sp>
+      <p:pic>
+        <p:nvPicPr>
+          <p:cNvPr id="2050" name="Picture 2" descr="Python (programming language) - Wikipedia">
+            <a:extLst>
+              <a:ext uri="{FF2B5EF4-FFF2-40B4-BE49-F238E27FC236}">
+                <a16:creationId xmlns:a16="http://schemas.microsoft.com/office/drawing/2014/main" id="{229DC01C-53B8-6601-2138-F76A13EC15AA}"/>
+              </a:ext>
+            </a:extLst>
+          </p:cNvPr>
+          <p:cNvPicPr>
+            <a:picLocks noChangeAspect="1" noChangeArrowheads="1"/>
+          </p:cNvPicPr>
+          <p:nvPr/>
+        </p:nvPicPr>
+        <p:blipFill>
+          <a:blip r:embed="rId3">
+            <a:extLst>
+              <a:ext uri="{28A0092B-C50C-407E-A947-70E740481C1C}">
+                <a14:useLocalDpi xmlns:a14="http://schemas.microsoft.com/office/drawing/2010/main" val="0"/>
+              </a:ext>
+            </a:extLst>
+          </a:blip>
+          <a:srcRect/>
+          <a:stretch>
+            <a:fillRect/>
+          </a:stretch>
+        </p:blipFill>
+        <p:spPr bwMode="auto">
+          <a:xfrm>
+            <a:off x="2672247" y="1266692"/>
+            <a:ext cx="2362333" cy="2592805"/>
+          </a:xfrm>
+          <a:prstGeom prst="rect">
+            <a:avLst/>
+          </a:prstGeom>
+          <a:noFill/>
+          <a:extLst>
+            <a:ext uri="{909E8E84-426E-40DD-AFC4-6F175D3DCCD1}">
+              <a14:hiddenFill xmlns:a14="http://schemas.microsoft.com/office/drawing/2010/main">
+                <a:solidFill>
+                  <a:srgbClr val="FFFFFF"/>
+                </a:solidFill>
+              </a14:hiddenFill>
+            </a:ext>
+          </a:extLst>
+        </p:spPr>
+      </p:pic>
+      <p:pic>
+        <p:nvPicPr>
+          <p:cNvPr id="2052" name="Picture 4" descr="Flask &amp; React - From Zero to Full-Stack (with Samples)">
+            <a:extLst>
+              <a:ext uri="{FF2B5EF4-FFF2-40B4-BE49-F238E27FC236}">
+                <a16:creationId xmlns:a16="http://schemas.microsoft.com/office/drawing/2014/main" id="{D3B124F9-E415-B3D6-2C72-02A6D90DB6BC}"/>
+              </a:ext>
+            </a:extLst>
+          </p:cNvPr>
+          <p:cNvPicPr>
+            <a:picLocks noChangeAspect="1" noChangeArrowheads="1"/>
+          </p:cNvPicPr>
+          <p:nvPr/>
+        </p:nvPicPr>
+        <p:blipFill>
+          <a:blip r:embed="rId4">
+            <a:extLst>
+              <a:ext uri="{28A0092B-C50C-407E-A947-70E740481C1C}">
+                <a14:useLocalDpi xmlns:a14="http://schemas.microsoft.com/office/drawing/2010/main" val="0"/>
+              </a:ext>
+            </a:extLst>
+          </a:blip>
+          <a:srcRect/>
+          <a:stretch>
+            <a:fillRect/>
+          </a:stretch>
+        </p:blipFill>
+        <p:spPr bwMode="auto">
+          <a:xfrm>
+            <a:off x="5486178" y="1344607"/>
+            <a:ext cx="4893883" cy="2233517"/>
+          </a:xfrm>
+          <a:prstGeom prst="rect">
+            <a:avLst/>
+          </a:prstGeom>
+          <a:noFill/>
+          <a:extLst>
+            <a:ext uri="{909E8E84-426E-40DD-AFC4-6F175D3DCCD1}">
+              <a14:hiddenFill xmlns:a14="http://schemas.microsoft.com/office/drawing/2010/main">
+                <a:solidFill>
+                  <a:srgbClr val="FFFFFF"/>
+                </a:solidFill>
+              </a14:hiddenFill>
+            </a:ext>
+          </a:extLst>
+        </p:spPr>
+      </p:pic>
+      <p:pic>
+        <p:nvPicPr>
+          <p:cNvPr id="2054" name="Picture 6" descr="javascript logo png, javascript icon transparent png 27127463 PNG">
+            <a:extLst>
+              <a:ext uri="{FF2B5EF4-FFF2-40B4-BE49-F238E27FC236}">
+                <a16:creationId xmlns:a16="http://schemas.microsoft.com/office/drawing/2014/main" id="{A5A35D4C-4711-16A5-1AF3-56774FAE0956}"/>
+              </a:ext>
+            </a:extLst>
+          </p:cNvPr>
+          <p:cNvPicPr>
+            <a:picLocks noChangeAspect="1" noChangeArrowheads="1"/>
+          </p:cNvPicPr>
+          <p:nvPr/>
+        </p:nvPicPr>
+        <p:blipFill>
+          <a:blip r:embed="rId5">
+            <a:extLst>
+              <a:ext uri="{28A0092B-C50C-407E-A947-70E740481C1C}">
+                <a14:useLocalDpi xmlns:a14="http://schemas.microsoft.com/office/drawing/2010/main" val="0"/>
+              </a:ext>
+            </a:extLst>
+          </a:blip>
+          <a:srcRect/>
+          <a:stretch>
+            <a:fillRect/>
+          </a:stretch>
+        </p:blipFill>
+        <p:spPr bwMode="auto">
+          <a:xfrm>
+            <a:off x="2389571" y="3716446"/>
+            <a:ext cx="2927684" cy="2927684"/>
+          </a:xfrm>
+          <a:prstGeom prst="rect">
+            <a:avLst/>
+          </a:prstGeom>
+          <a:noFill/>
+          <a:extLst>
+            <a:ext uri="{909E8E84-426E-40DD-AFC4-6F175D3DCCD1}">
+              <a14:hiddenFill xmlns:a14="http://schemas.microsoft.com/office/drawing/2010/main">
+                <a:solidFill>
+                  <a:srgbClr val="FFFFFF"/>
+                </a:solidFill>
+              </a14:hiddenFill>
+            </a:ext>
+          </a:extLst>
+        </p:spPr>
+      </p:pic>
+      <p:pic>
+        <p:nvPicPr>
+          <p:cNvPr id="2058" name="Picture 10" descr="Introduction to MongoDB and Studio 3T | Studio 3T">
+            <a:extLst>
+              <a:ext uri="{FF2B5EF4-FFF2-40B4-BE49-F238E27FC236}">
+                <a16:creationId xmlns:a16="http://schemas.microsoft.com/office/drawing/2014/main" id="{350D9CA5-B840-A71B-B366-58075433A4D6}"/>
+              </a:ext>
+            </a:extLst>
+          </p:cNvPr>
+          <p:cNvPicPr>
+            <a:picLocks noChangeAspect="1" noChangeArrowheads="1"/>
+          </p:cNvPicPr>
+          <p:nvPr/>
+        </p:nvPicPr>
+        <p:blipFill>
+          <a:blip r:embed="rId6">
+            <a:extLst>
+              <a:ext uri="{28A0092B-C50C-407E-A947-70E740481C1C}">
+                <a14:useLocalDpi xmlns:a14="http://schemas.microsoft.com/office/drawing/2010/main" val="0"/>
+              </a:ext>
+            </a:extLst>
+          </a:blip>
+          <a:srcRect/>
+          <a:stretch>
+            <a:fillRect/>
+          </a:stretch>
+        </p:blipFill>
+        <p:spPr bwMode="auto">
+          <a:xfrm>
+            <a:off x="6044641" y="4364673"/>
+            <a:ext cx="4231257" cy="1148720"/>
+          </a:xfrm>
+          <a:prstGeom prst="rect">
+            <a:avLst/>
+          </a:prstGeom>
+          <a:noFill/>
+          <a:extLst>
+            <a:ext uri="{909E8E84-426E-40DD-AFC4-6F175D3DCCD1}">
+              <a14:hiddenFill xmlns:a14="http://schemas.microsoft.com/office/drawing/2010/main">
+                <a:solidFill>
+                  <a:srgbClr val="FFFFFF"/>
+                </a:solidFill>
+              </a14:hiddenFill>
+            </a:ext>
+          </a:extLst>
+        </p:spPr>
+      </p:pic>
+    </p:spTree>
+    <p:extLst>
+      <p:ext uri="{BB962C8B-B14F-4D97-AF65-F5344CB8AC3E}">
+        <p14:creationId xmlns:p14="http://schemas.microsoft.com/office/powerpoint/2010/main" val="3685324367"/>
+      </p:ext>
+    </p:extLst>
+  </p:cSld>
+  <p:clrMapOvr>
+    <a:masterClrMapping/>
+  </p:clrMapOvr>
+</p:sld>
+</file>
+
+<file path=ppt/slides/slide16.xml><?xml version="1.0" encoding="utf-8"?>
+<p:sld xmlns:a="http://schemas.openxmlformats.org/drawingml/2006/main" xmlns:r="http://schemas.openxmlformats.org/officeDocument/2006/relationships" xmlns:p="http://schemas.openxmlformats.org/presentationml/2006/main">
+  <p:cSld>
+    <p:spTree>
+      <p:nvGrpSpPr>
+        <p:cNvPr id="1" name="">
+          <a:extLst>
+            <a:ext uri="{FF2B5EF4-FFF2-40B4-BE49-F238E27FC236}">
+              <a16:creationId xmlns:a16="http://schemas.microsoft.com/office/drawing/2014/main" id="{8CD84B92-559B-E20D-1BA6-2520DDC0CDDD}"/>
+            </a:ext>
+          </a:extLst>
+        </p:cNvPr>
+        <p:cNvGrpSpPr/>
+        <p:nvPr/>
+      </p:nvGrpSpPr>
+      <p:grpSpPr>
+        <a:xfrm>
+          <a:off x="0" y="0"/>
+          <a:ext cx="0" cy="0"/>
+          <a:chOff x="0" y="0"/>
+          <a:chExt cx="0" cy="0"/>
+        </a:xfrm>
+      </p:grpSpPr>
+      <p:pic>
+        <p:nvPicPr>
+          <p:cNvPr id="3074" name="Picture 2" descr="Why AI is the future of Cyber Security - Pioneer Search">
+            <a:extLst>
+              <a:ext uri="{FF2B5EF4-FFF2-40B4-BE49-F238E27FC236}">
+                <a16:creationId xmlns:a16="http://schemas.microsoft.com/office/drawing/2014/main" id="{A44B1002-2B92-CD18-7D1D-CA876D045747}"/>
+              </a:ext>
+            </a:extLst>
+          </p:cNvPr>
+          <p:cNvPicPr>
+            <a:picLocks noChangeAspect="1" noChangeArrowheads="1"/>
+          </p:cNvPicPr>
+          <p:nvPr/>
+        </p:nvPicPr>
+        <p:blipFill rotWithShape="1">
+          <a:blip r:embed="rId2">
+            <a:extLst>
+              <a:ext uri="{28A0092B-C50C-407E-A947-70E740481C1C}">
+                <a14:useLocalDpi xmlns:a14="http://schemas.microsoft.com/office/drawing/2010/main" val="0"/>
+              </a:ext>
+            </a:extLst>
+          </a:blip>
+          <a:srcRect l="15540"/>
+          <a:stretch/>
+        </p:blipFill>
+        <p:spPr bwMode="auto">
+          <a:xfrm>
+            <a:off x="20" y="1282"/>
+            <a:ext cx="12191980" cy="6856718"/>
+          </a:xfrm>
+          <a:prstGeom prst="rect">
+            <a:avLst/>
+          </a:prstGeom>
+          <a:noFill/>
+          <a:extLst>
+            <a:ext uri="{909E8E84-426E-40DD-AFC4-6F175D3DCCD1}">
+              <a14:hiddenFill xmlns:a14="http://schemas.microsoft.com/office/drawing/2010/main">
+                <a:solidFill>
+                  <a:srgbClr val="FFFFFF"/>
+                </a:solidFill>
+              </a14:hiddenFill>
+            </a:ext>
+          </a:extLst>
+        </p:spPr>
+      </p:pic>
+      <p:sp>
+        <p:nvSpPr>
+          <p:cNvPr id="2" name="Rectangle 1">
+            <a:extLst>
+              <a:ext uri="{FF2B5EF4-FFF2-40B4-BE49-F238E27FC236}">
+                <a16:creationId xmlns:a16="http://schemas.microsoft.com/office/drawing/2014/main" id="{96FE4BDF-BD6A-295E-D066-2573AC9D9723}"/>
+              </a:ext>
+            </a:extLst>
+          </p:cNvPr>
+          <p:cNvSpPr/>
+          <p:nvPr/>
+        </p:nvSpPr>
+        <p:spPr>
+          <a:xfrm>
+            <a:off x="0" y="0"/>
+            <a:ext cx="12188952" cy="6858000"/>
+          </a:xfrm>
+          <a:prstGeom prst="rect">
+            <a:avLst/>
+          </a:prstGeom>
+          <a:solidFill>
+            <a:schemeClr val="accent3">
+              <a:lumMod val="50000"/>
+              <a:alpha val="88000"/>
+            </a:schemeClr>
+          </a:solidFill>
+          <a:ln>
+            <a:noFill/>
+          </a:ln>
+        </p:spPr>
+        <p:style>
+          <a:lnRef idx="2">
+            <a:schemeClr val="accent1">
+              <a:shade val="50000"/>
+            </a:schemeClr>
+          </a:lnRef>
+          <a:fillRef idx="1">
+            <a:schemeClr val="accent1"/>
+          </a:fillRef>
+          <a:effectRef idx="0">
+            <a:schemeClr val="accent1"/>
+          </a:effectRef>
+          <a:fontRef idx="minor">
+            <a:schemeClr val="lt1"/>
+          </a:fontRef>
+        </p:style>
+        <p:txBody>
+          <a:bodyPr rtlCol="0" anchor="ctr"/>
+          <a:lstStyle/>
+          <a:p>
+            <a:pPr algn="ctr"/>
+            <a:endParaRPr lang="en-US"/>
+          </a:p>
+        </p:txBody>
+      </p:sp>
+      <p:sp>
+        <p:nvSpPr>
+          <p:cNvPr id="32" name="TextBox 31">
+            <a:extLst>
+              <a:ext uri="{FF2B5EF4-FFF2-40B4-BE49-F238E27FC236}">
+                <a16:creationId xmlns:a16="http://schemas.microsoft.com/office/drawing/2014/main" id="{9317E71E-59F3-BAEB-ECEE-A95C81C12421}"/>
+              </a:ext>
+            </a:extLst>
+          </p:cNvPr>
+          <p:cNvSpPr txBox="1"/>
+          <p:nvPr/>
+        </p:nvSpPr>
+        <p:spPr>
+          <a:xfrm>
+            <a:off x="797859" y="280044"/>
+            <a:ext cx="10596282" cy="707886"/>
+          </a:xfrm>
+          <a:prstGeom prst="rect">
+            <a:avLst/>
+          </a:prstGeom>
+          <a:noFill/>
+        </p:spPr>
+        <p:txBody>
+          <a:bodyPr wrap="square" rtlCol="0">
+            <a:spAutoFit/>
+          </a:bodyPr>
+          <a:lstStyle/>
+          <a:p>
+            <a:pPr algn="ctr"/>
+            <a:r>
+              <a:rPr lang="en-US" sz="4000" dirty="0">
+                <a:solidFill>
+                  <a:schemeClr val="bg1"/>
+                </a:solidFill>
+                <a:latin typeface="Georgia" panose="02040502050405020303" pitchFamily="18" charset="0"/>
+              </a:rPr>
+              <a:t>Behind the Scenes: </a:t>
+            </a:r>
+            <a:r>
+              <a:rPr lang="en-CA" sz="4000" dirty="0">
+                <a:solidFill>
+                  <a:schemeClr val="bg1"/>
+                </a:solidFill>
+              </a:rPr>
+              <a:t>Feature Development</a:t>
+            </a:r>
+          </a:p>
+        </p:txBody>
+      </p:sp>
+      <p:sp>
+        <p:nvSpPr>
+          <p:cNvPr id="10" name="TextBox 9">
+            <a:extLst>
+              <a:ext uri="{FF2B5EF4-FFF2-40B4-BE49-F238E27FC236}">
+                <a16:creationId xmlns:a16="http://schemas.microsoft.com/office/drawing/2014/main" id="{3A364F41-F305-DBD7-8FEB-6064130BD817}"/>
+              </a:ext>
+            </a:extLst>
+          </p:cNvPr>
+          <p:cNvSpPr txBox="1"/>
+          <p:nvPr/>
+        </p:nvSpPr>
+        <p:spPr>
+          <a:xfrm>
+            <a:off x="1330960" y="1889760"/>
+            <a:ext cx="9316720" cy="3505200"/>
+          </a:xfrm>
+          <a:prstGeom prst="rect">
+            <a:avLst/>
+          </a:prstGeom>
+        </p:spPr>
+        <p:txBody>
+          <a:bodyPr wrap="square" rtlCol="0">
+            <a:spAutoFit/>
+          </a:bodyPr>
+          <a:lstStyle/>
+          <a:p>
+            <a:endParaRPr lang="en-CA" dirty="0"/>
+          </a:p>
+        </p:txBody>
+      </p:sp>
+      <p:sp>
+        <p:nvSpPr>
+          <p:cNvPr id="28" name="TextBox 27">
+            <a:extLst>
+              <a:ext uri="{FF2B5EF4-FFF2-40B4-BE49-F238E27FC236}">
+                <a16:creationId xmlns:a16="http://schemas.microsoft.com/office/drawing/2014/main" id="{22A7209F-855A-CA2B-72BE-9173AE77252C}"/>
+              </a:ext>
+            </a:extLst>
+          </p:cNvPr>
+          <p:cNvSpPr txBox="1"/>
+          <p:nvPr/>
+        </p:nvSpPr>
+        <p:spPr>
+          <a:xfrm>
+            <a:off x="425279" y="1463040"/>
+            <a:ext cx="9699294" cy="4832092"/>
+          </a:xfrm>
+          <a:prstGeom prst="rect">
+            <a:avLst/>
+          </a:prstGeom>
+          <a:noFill/>
+        </p:spPr>
+        <p:txBody>
+          <a:bodyPr wrap="square" rtlCol="0">
+            <a:spAutoFit/>
+          </a:bodyPr>
+          <a:lstStyle/>
+          <a:p>
+            <a:pPr marL="514350" indent="-514350">
+              <a:buFont typeface="Arial" panose="020B0604020202020204" pitchFamily="34" charset="0"/>
+              <a:buChar char="•"/>
+            </a:pPr>
+            <a:r>
+              <a:rPr lang="en-CA" sz="2800" b="1" dirty="0">
+                <a:solidFill>
+                  <a:schemeClr val="bg1"/>
+                </a:solidFill>
+              </a:rPr>
+              <a:t>Feature 1: Phishing Email Detection</a:t>
+            </a:r>
+          </a:p>
+          <a:p>
+            <a:pPr marL="971550" lvl="1" indent="-514350">
+              <a:buFont typeface="Wingdings" panose="05000000000000000000" pitchFamily="2" charset="2"/>
+              <a:buChar char="§"/>
+            </a:pPr>
+            <a:r>
+              <a:rPr lang="en-CA" sz="2800" dirty="0">
+                <a:solidFill>
+                  <a:schemeClr val="bg1"/>
+                </a:solidFill>
+              </a:rPr>
+              <a:t>Python libraries</a:t>
+            </a:r>
+          </a:p>
+          <a:p>
+            <a:pPr marL="1428750" lvl="2" indent="-514350">
+              <a:buFont typeface="Wingdings" panose="05000000000000000000" pitchFamily="2" charset="2"/>
+              <a:buChar char="Ø"/>
+            </a:pPr>
+            <a:r>
+              <a:rPr lang="en-CA" sz="2800" dirty="0">
+                <a:solidFill>
+                  <a:schemeClr val="bg1"/>
+                </a:solidFill>
+              </a:rPr>
+              <a:t>pandas</a:t>
+            </a:r>
+          </a:p>
+          <a:p>
+            <a:pPr marL="1428750" lvl="2" indent="-514350">
+              <a:buFont typeface="Wingdings" panose="05000000000000000000" pitchFamily="2" charset="2"/>
+              <a:buChar char="Ø"/>
+            </a:pPr>
+            <a:r>
+              <a:rPr lang="en-CA" sz="2800" dirty="0" err="1">
+                <a:solidFill>
+                  <a:schemeClr val="bg1"/>
+                </a:solidFill>
+              </a:rPr>
+              <a:t>numpy</a:t>
+            </a:r>
+            <a:endParaRPr lang="en-CA" sz="2800" dirty="0">
+              <a:solidFill>
+                <a:schemeClr val="bg1"/>
+              </a:solidFill>
+            </a:endParaRPr>
+          </a:p>
+          <a:p>
+            <a:pPr marL="1428750" lvl="2" indent="-514350">
+              <a:buFont typeface="Wingdings" panose="05000000000000000000" pitchFamily="2" charset="2"/>
+              <a:buChar char="Ø"/>
+            </a:pPr>
+            <a:r>
+              <a:rPr lang="en-CA" sz="2800" dirty="0">
+                <a:solidFill>
+                  <a:schemeClr val="bg1"/>
+                </a:solidFill>
+              </a:rPr>
+              <a:t>scikit-learn</a:t>
+            </a:r>
+          </a:p>
+          <a:p>
+            <a:pPr marL="1428750" lvl="2" indent="-514350">
+              <a:buFont typeface="Wingdings" panose="05000000000000000000" pitchFamily="2" charset="2"/>
+              <a:buChar char="Ø"/>
+            </a:pPr>
+            <a:r>
+              <a:rPr lang="en-CA" sz="2800" dirty="0" err="1">
+                <a:solidFill>
+                  <a:schemeClr val="bg1"/>
+                </a:solidFill>
+              </a:rPr>
+              <a:t>joblib</a:t>
+            </a:r>
+            <a:endParaRPr lang="en-CA" sz="2800" dirty="0">
+              <a:solidFill>
+                <a:schemeClr val="bg1"/>
+              </a:solidFill>
+            </a:endParaRPr>
+          </a:p>
+          <a:p>
+            <a:pPr marL="1428750" lvl="2" indent="-514350">
+              <a:buFont typeface="Wingdings" panose="05000000000000000000" pitchFamily="2" charset="2"/>
+              <a:buChar char="Ø"/>
+            </a:pPr>
+            <a:r>
+              <a:rPr lang="en-CA" sz="2800" dirty="0" err="1">
+                <a:solidFill>
+                  <a:schemeClr val="bg1"/>
+                </a:solidFill>
+              </a:rPr>
+              <a:t>nltk</a:t>
+            </a:r>
+            <a:endParaRPr lang="en-CA" sz="2800" dirty="0">
+              <a:solidFill>
+                <a:schemeClr val="bg1"/>
+              </a:solidFill>
+            </a:endParaRPr>
+          </a:p>
+          <a:p>
+            <a:pPr marL="971550" lvl="1" indent="-514350">
+              <a:buFont typeface="Wingdings" panose="05000000000000000000" pitchFamily="2" charset="2"/>
+              <a:buChar char="§"/>
+            </a:pPr>
+            <a:endParaRPr lang="en-CA" sz="2800" dirty="0">
+              <a:solidFill>
+                <a:schemeClr val="bg1"/>
+              </a:solidFill>
+            </a:endParaRPr>
+          </a:p>
+          <a:p>
+            <a:pPr marL="971550" lvl="1" indent="-514350">
+              <a:buFont typeface="Wingdings" panose="05000000000000000000" pitchFamily="2" charset="2"/>
+              <a:buChar char="§"/>
+            </a:pPr>
+            <a:r>
+              <a:rPr lang="en-CA" sz="2800" dirty="0">
+                <a:solidFill>
+                  <a:schemeClr val="bg1"/>
+                </a:solidFill>
+              </a:rPr>
+              <a:t>Kaggle datasets</a:t>
+            </a:r>
+          </a:p>
+          <a:p>
+            <a:pPr marL="1428750" lvl="2" indent="-514350">
+              <a:buFont typeface="Wingdings" panose="05000000000000000000" pitchFamily="2" charset="2"/>
+              <a:buChar char="Ø"/>
+            </a:pPr>
+            <a:r>
+              <a:rPr lang="en-CA" sz="2800" dirty="0">
+                <a:solidFill>
+                  <a:schemeClr val="bg1"/>
+                </a:solidFill>
+              </a:rPr>
+              <a:t>Spam Mails Dataset</a:t>
+            </a:r>
+          </a:p>
+          <a:p>
+            <a:pPr marL="1428750" lvl="2" indent="-514350">
+              <a:buFont typeface="Wingdings" panose="05000000000000000000" pitchFamily="2" charset="2"/>
+              <a:buChar char="Ø"/>
+            </a:pPr>
+            <a:r>
+              <a:rPr lang="en-CA" sz="2800" dirty="0">
+                <a:solidFill>
+                  <a:schemeClr val="bg1"/>
+                </a:solidFill>
+              </a:rPr>
+              <a:t>Spam Email Dataset</a:t>
+            </a:r>
+          </a:p>
+        </p:txBody>
+      </p:sp>
+      <p:pic>
+        <p:nvPicPr>
+          <p:cNvPr id="3" name="Picture 2" descr="What is pandas?">
+            <a:extLst>
+              <a:ext uri="{FF2B5EF4-FFF2-40B4-BE49-F238E27FC236}">
+                <a16:creationId xmlns:a16="http://schemas.microsoft.com/office/drawing/2014/main" id="{74B3C13A-8656-BD00-5EF0-E2447C085A29}"/>
+              </a:ext>
+            </a:extLst>
+          </p:cNvPr>
+          <p:cNvPicPr>
+            <a:picLocks noChangeAspect="1" noChangeArrowheads="1"/>
+          </p:cNvPicPr>
+          <p:nvPr/>
+        </p:nvPicPr>
+        <p:blipFill>
+          <a:blip r:embed="rId3">
+            <a:extLst>
+              <a:ext uri="{28A0092B-C50C-407E-A947-70E740481C1C}">
+                <a14:useLocalDpi xmlns:a14="http://schemas.microsoft.com/office/drawing/2010/main" val="0"/>
+              </a:ext>
+            </a:extLst>
+          </a:blip>
+          <a:srcRect/>
+          <a:stretch>
+            <a:fillRect/>
+          </a:stretch>
+        </p:blipFill>
+        <p:spPr bwMode="auto">
+          <a:xfrm>
+            <a:off x="8840039" y="1180273"/>
+            <a:ext cx="2926682" cy="1727222"/>
+          </a:xfrm>
+          <a:prstGeom prst="rect">
+            <a:avLst/>
+          </a:prstGeom>
+          <a:noFill/>
+          <a:extLst>
+            <a:ext uri="{909E8E84-426E-40DD-AFC4-6F175D3DCCD1}">
+              <a14:hiddenFill xmlns:a14="http://schemas.microsoft.com/office/drawing/2010/main">
+                <a:solidFill>
+                  <a:srgbClr val="FFFFFF"/>
+                </a:solidFill>
+              </a14:hiddenFill>
+            </a:ext>
+          </a:extLst>
+        </p:spPr>
+      </p:pic>
+      <p:pic>
+        <p:nvPicPr>
+          <p:cNvPr id="3076" name="Picture 4" descr="Getting Started with NumPy: A Beginner's Guide | by AhmedAgiza | Medium">
+            <a:extLst>
+              <a:ext uri="{FF2B5EF4-FFF2-40B4-BE49-F238E27FC236}">
+                <a16:creationId xmlns:a16="http://schemas.microsoft.com/office/drawing/2014/main" id="{0A5B8E64-8968-77B1-F913-95EB78C33F9F}"/>
+              </a:ext>
+            </a:extLst>
+          </p:cNvPr>
+          <p:cNvPicPr>
+            <a:picLocks noChangeAspect="1" noChangeArrowheads="1"/>
+          </p:cNvPicPr>
+          <p:nvPr/>
+        </p:nvPicPr>
+        <p:blipFill>
+          <a:blip r:embed="rId4">
+            <a:extLst>
+              <a:ext uri="{28A0092B-C50C-407E-A947-70E740481C1C}">
+                <a14:useLocalDpi xmlns:a14="http://schemas.microsoft.com/office/drawing/2010/main" val="0"/>
+              </a:ext>
+            </a:extLst>
+          </a:blip>
+          <a:srcRect/>
+          <a:stretch>
+            <a:fillRect/>
+          </a:stretch>
+        </p:blipFill>
+        <p:spPr bwMode="auto">
+          <a:xfrm>
+            <a:off x="5853724" y="2895205"/>
+            <a:ext cx="3769770" cy="1507908"/>
+          </a:xfrm>
+          <a:prstGeom prst="rect">
+            <a:avLst/>
+          </a:prstGeom>
+          <a:noFill/>
+          <a:extLst>
+            <a:ext uri="{909E8E84-426E-40DD-AFC4-6F175D3DCCD1}">
+              <a14:hiddenFill xmlns:a14="http://schemas.microsoft.com/office/drawing/2010/main">
+                <a:solidFill>
+                  <a:srgbClr val="FFFFFF"/>
+                </a:solidFill>
+              </a14:hiddenFill>
+            </a:ext>
+          </a:extLst>
+        </p:spPr>
+      </p:pic>
+      <p:pic>
+        <p:nvPicPr>
+          <p:cNvPr id="3080" name="Picture 8" descr="scikit-learn - Wikipedia">
+            <a:extLst>
+              <a:ext uri="{FF2B5EF4-FFF2-40B4-BE49-F238E27FC236}">
+                <a16:creationId xmlns:a16="http://schemas.microsoft.com/office/drawing/2014/main" id="{2AB27BD0-3462-D38A-AAD8-230CF19D2EB8}"/>
+              </a:ext>
+            </a:extLst>
+          </p:cNvPr>
+          <p:cNvPicPr>
+            <a:picLocks noChangeAspect="1" noChangeArrowheads="1"/>
+          </p:cNvPicPr>
+          <p:nvPr/>
+        </p:nvPicPr>
+        <p:blipFill>
+          <a:blip r:embed="rId5">
+            <a:extLst>
+              <a:ext uri="{28A0092B-C50C-407E-A947-70E740481C1C}">
+                <a14:useLocalDpi xmlns:a14="http://schemas.microsoft.com/office/drawing/2010/main" val="0"/>
+              </a:ext>
+            </a:extLst>
+          </a:blip>
+          <a:srcRect/>
+          <a:stretch>
+            <a:fillRect/>
+          </a:stretch>
+        </p:blipFill>
+        <p:spPr bwMode="auto">
+          <a:xfrm>
+            <a:off x="8603491" y="4178920"/>
+            <a:ext cx="3042148" cy="1642760"/>
+          </a:xfrm>
+          <a:prstGeom prst="rect">
+            <a:avLst/>
+          </a:prstGeom>
+          <a:noFill/>
+          <a:extLst>
+            <a:ext uri="{909E8E84-426E-40DD-AFC4-6F175D3DCCD1}">
+              <a14:hiddenFill xmlns:a14="http://schemas.microsoft.com/office/drawing/2010/main">
+                <a:solidFill>
+                  <a:srgbClr val="FFFFFF"/>
+                </a:solidFill>
+              </a14:hiddenFill>
+            </a:ext>
+          </a:extLst>
+        </p:spPr>
+      </p:pic>
+    </p:spTree>
+    <p:extLst>
+      <p:ext uri="{BB962C8B-B14F-4D97-AF65-F5344CB8AC3E}">
+        <p14:creationId xmlns:p14="http://schemas.microsoft.com/office/powerpoint/2010/main" val="3774068979"/>
+      </p:ext>
+    </p:extLst>
+  </p:cSld>
+  <p:clrMapOvr>
+    <a:masterClrMapping/>
+  </p:clrMapOvr>
+</p:sld>
+</file>
+
+<file path=ppt/slides/slide17.xml><?xml version="1.0" encoding="utf-8"?>
+<p:sld xmlns:a="http://schemas.openxmlformats.org/drawingml/2006/main" xmlns:r="http://schemas.openxmlformats.org/officeDocument/2006/relationships" xmlns:p="http://schemas.openxmlformats.org/presentationml/2006/main">
+  <p:cSld>
+    <p:spTree>
+      <p:nvGrpSpPr>
+        <p:cNvPr id="1" name="">
+          <a:extLst>
+            <a:ext uri="{FF2B5EF4-FFF2-40B4-BE49-F238E27FC236}">
+              <a16:creationId xmlns:a16="http://schemas.microsoft.com/office/drawing/2014/main" id="{B7665979-A682-985D-B3CF-68A971EDBE6A}"/>
+            </a:ext>
+          </a:extLst>
+        </p:cNvPr>
+        <p:cNvGrpSpPr/>
+        <p:nvPr/>
+      </p:nvGrpSpPr>
+      <p:grpSpPr>
+        <a:xfrm>
+          <a:off x="0" y="0"/>
+          <a:ext cx="0" cy="0"/>
+          <a:chOff x="0" y="0"/>
+          <a:chExt cx="0" cy="0"/>
+        </a:xfrm>
+      </p:grpSpPr>
+      <p:pic>
+        <p:nvPicPr>
+          <p:cNvPr id="3074" name="Picture 2" descr="Why AI is the future of Cyber Security - Pioneer Search">
+            <a:extLst>
+              <a:ext uri="{FF2B5EF4-FFF2-40B4-BE49-F238E27FC236}">
+                <a16:creationId xmlns:a16="http://schemas.microsoft.com/office/drawing/2014/main" id="{D9BD1109-B8B7-4036-FC36-00259DAD95DC}"/>
+              </a:ext>
+            </a:extLst>
+          </p:cNvPr>
+          <p:cNvPicPr>
+            <a:picLocks noChangeAspect="1" noChangeArrowheads="1"/>
+          </p:cNvPicPr>
+          <p:nvPr/>
+        </p:nvPicPr>
+        <p:blipFill rotWithShape="1">
+          <a:blip r:embed="rId2">
+            <a:extLst>
+              <a:ext uri="{28A0092B-C50C-407E-A947-70E740481C1C}">
+                <a14:useLocalDpi xmlns:a14="http://schemas.microsoft.com/office/drawing/2010/main" val="0"/>
+              </a:ext>
+            </a:extLst>
+          </a:blip>
+          <a:srcRect l="15540"/>
+          <a:stretch/>
+        </p:blipFill>
+        <p:spPr bwMode="auto">
+          <a:xfrm>
+            <a:off x="20" y="1282"/>
+            <a:ext cx="12191980" cy="6856718"/>
+          </a:xfrm>
+          <a:prstGeom prst="rect">
+            <a:avLst/>
+          </a:prstGeom>
+          <a:noFill/>
+          <a:extLst>
+            <a:ext uri="{909E8E84-426E-40DD-AFC4-6F175D3DCCD1}">
+              <a14:hiddenFill xmlns:a14="http://schemas.microsoft.com/office/drawing/2010/main">
+                <a:solidFill>
+                  <a:srgbClr val="FFFFFF"/>
+                </a:solidFill>
+              </a14:hiddenFill>
+            </a:ext>
+          </a:extLst>
+        </p:spPr>
+      </p:pic>
+      <p:sp>
+        <p:nvSpPr>
+          <p:cNvPr id="2" name="Rectangle 1">
+            <a:extLst>
+              <a:ext uri="{FF2B5EF4-FFF2-40B4-BE49-F238E27FC236}">
+                <a16:creationId xmlns:a16="http://schemas.microsoft.com/office/drawing/2014/main" id="{3C61F58A-D8F7-1B58-1A60-C4F938061E5D}"/>
+              </a:ext>
+            </a:extLst>
+          </p:cNvPr>
+          <p:cNvSpPr/>
+          <p:nvPr/>
+        </p:nvSpPr>
+        <p:spPr>
+          <a:xfrm>
+            <a:off x="0" y="0"/>
+            <a:ext cx="12188952" cy="6858000"/>
+          </a:xfrm>
+          <a:prstGeom prst="rect">
+            <a:avLst/>
+          </a:prstGeom>
+          <a:solidFill>
+            <a:schemeClr val="accent3">
+              <a:lumMod val="50000"/>
+              <a:alpha val="88000"/>
+            </a:schemeClr>
+          </a:solidFill>
+          <a:ln>
+            <a:noFill/>
+          </a:ln>
+        </p:spPr>
+        <p:style>
+          <a:lnRef idx="2">
+            <a:schemeClr val="accent1">
+              <a:shade val="50000"/>
+            </a:schemeClr>
+          </a:lnRef>
+          <a:fillRef idx="1">
+            <a:schemeClr val="accent1"/>
+          </a:fillRef>
+          <a:effectRef idx="0">
+            <a:schemeClr val="accent1"/>
+          </a:effectRef>
+          <a:fontRef idx="minor">
+            <a:schemeClr val="lt1"/>
+          </a:fontRef>
+        </p:style>
+        <p:txBody>
+          <a:bodyPr rtlCol="0" anchor="ctr"/>
+          <a:lstStyle/>
+          <a:p>
+            <a:pPr algn="ctr"/>
+            <a:endParaRPr lang="en-US"/>
+          </a:p>
+        </p:txBody>
+      </p:sp>
+      <p:sp>
+        <p:nvSpPr>
+          <p:cNvPr id="32" name="TextBox 31">
+            <a:extLst>
+              <a:ext uri="{FF2B5EF4-FFF2-40B4-BE49-F238E27FC236}">
+                <a16:creationId xmlns:a16="http://schemas.microsoft.com/office/drawing/2014/main" id="{E851231E-2BE6-1621-D41B-C7F5CC03F583}"/>
+              </a:ext>
+            </a:extLst>
+          </p:cNvPr>
+          <p:cNvSpPr txBox="1"/>
+          <p:nvPr/>
+        </p:nvSpPr>
+        <p:spPr>
+          <a:xfrm>
+            <a:off x="797859" y="280044"/>
+            <a:ext cx="10596282" cy="707886"/>
+          </a:xfrm>
+          <a:prstGeom prst="rect">
+            <a:avLst/>
+          </a:prstGeom>
+          <a:noFill/>
+        </p:spPr>
+        <p:txBody>
+          <a:bodyPr wrap="square" rtlCol="0">
+            <a:spAutoFit/>
+          </a:bodyPr>
+          <a:lstStyle/>
+          <a:p>
+            <a:pPr algn="ctr"/>
+            <a:r>
+              <a:rPr lang="en-US" sz="4000" dirty="0">
+                <a:solidFill>
+                  <a:schemeClr val="bg1"/>
+                </a:solidFill>
+                <a:latin typeface="Georgia" panose="02040502050405020303" pitchFamily="18" charset="0"/>
+              </a:rPr>
+              <a:t>Behind the Scenes: </a:t>
+            </a:r>
+            <a:r>
+              <a:rPr lang="en-CA" sz="4000" dirty="0">
+                <a:solidFill>
+                  <a:schemeClr val="bg1"/>
+                </a:solidFill>
+              </a:rPr>
+              <a:t>Feature Development</a:t>
+            </a:r>
+          </a:p>
+        </p:txBody>
+      </p:sp>
+      <p:sp>
+        <p:nvSpPr>
+          <p:cNvPr id="10" name="TextBox 9">
+            <a:extLst>
+              <a:ext uri="{FF2B5EF4-FFF2-40B4-BE49-F238E27FC236}">
+                <a16:creationId xmlns:a16="http://schemas.microsoft.com/office/drawing/2014/main" id="{E089449B-3096-B941-EF01-3EA5641E9DE5}"/>
+              </a:ext>
+            </a:extLst>
+          </p:cNvPr>
+          <p:cNvSpPr txBox="1"/>
+          <p:nvPr/>
+        </p:nvSpPr>
+        <p:spPr>
+          <a:xfrm>
+            <a:off x="1330960" y="1889760"/>
+            <a:ext cx="9316720" cy="3505200"/>
+          </a:xfrm>
+          <a:prstGeom prst="rect">
+            <a:avLst/>
+          </a:prstGeom>
+        </p:spPr>
+        <p:txBody>
+          <a:bodyPr wrap="square" rtlCol="0">
+            <a:spAutoFit/>
+          </a:bodyPr>
+          <a:lstStyle/>
+          <a:p>
+            <a:endParaRPr lang="en-CA" dirty="0"/>
+          </a:p>
+        </p:txBody>
+      </p:sp>
+      <p:sp>
+        <p:nvSpPr>
+          <p:cNvPr id="28" name="TextBox 27">
+            <a:extLst>
+              <a:ext uri="{FF2B5EF4-FFF2-40B4-BE49-F238E27FC236}">
+                <a16:creationId xmlns:a16="http://schemas.microsoft.com/office/drawing/2014/main" id="{CEDDDDDB-54A6-B7D6-6C18-A0246708773B}"/>
+              </a:ext>
+            </a:extLst>
+          </p:cNvPr>
+          <p:cNvSpPr txBox="1"/>
+          <p:nvPr/>
+        </p:nvSpPr>
+        <p:spPr>
+          <a:xfrm>
+            <a:off x="298948" y="1162852"/>
+            <a:ext cx="9699294" cy="4401205"/>
+          </a:xfrm>
+          <a:prstGeom prst="rect">
+            <a:avLst/>
+          </a:prstGeom>
+          <a:noFill/>
+        </p:spPr>
+        <p:txBody>
+          <a:bodyPr wrap="square" rtlCol="0">
+            <a:spAutoFit/>
+          </a:bodyPr>
+          <a:lstStyle/>
+          <a:p>
+            <a:pPr marL="457200" indent="-457200">
+              <a:buFont typeface="Arial" panose="020B0604020202020204" pitchFamily="34" charset="0"/>
+              <a:buChar char="•"/>
+            </a:pPr>
+            <a:r>
+              <a:rPr lang="en-CA" sz="2800" b="1" dirty="0">
+                <a:solidFill>
+                  <a:schemeClr val="bg1"/>
+                </a:solidFill>
+              </a:rPr>
+              <a:t>Feature 2: Malicious URL Detection</a:t>
+            </a:r>
+          </a:p>
+          <a:p>
+            <a:pPr marL="971550" lvl="1" indent="-514350">
+              <a:buFont typeface="Wingdings" panose="05000000000000000000" pitchFamily="2" charset="2"/>
+              <a:buChar char="§"/>
+            </a:pPr>
+            <a:r>
+              <a:rPr lang="en-CA" sz="2800" dirty="0">
+                <a:solidFill>
+                  <a:schemeClr val="bg1"/>
+                </a:solidFill>
+              </a:rPr>
+              <a:t>Python libraries</a:t>
+            </a:r>
+          </a:p>
+          <a:p>
+            <a:pPr marL="1428750" lvl="2" indent="-514350">
+              <a:buFont typeface="Wingdings" panose="05000000000000000000" pitchFamily="2" charset="2"/>
+              <a:buChar char="Ø"/>
+            </a:pPr>
+            <a:r>
+              <a:rPr lang="en-CA" sz="2800" dirty="0">
+                <a:solidFill>
+                  <a:schemeClr val="bg1"/>
+                </a:solidFill>
+              </a:rPr>
+              <a:t>pandas</a:t>
+            </a:r>
+          </a:p>
+          <a:p>
+            <a:pPr marL="1428750" lvl="2" indent="-514350">
+              <a:buFont typeface="Wingdings" panose="05000000000000000000" pitchFamily="2" charset="2"/>
+              <a:buChar char="Ø"/>
+            </a:pPr>
+            <a:r>
+              <a:rPr lang="en-CA" sz="2800" dirty="0">
+                <a:solidFill>
+                  <a:schemeClr val="bg1"/>
+                </a:solidFill>
+              </a:rPr>
+              <a:t>random</a:t>
+            </a:r>
+          </a:p>
+          <a:p>
+            <a:pPr marL="1428750" lvl="2" indent="-514350">
+              <a:buFont typeface="Wingdings" panose="05000000000000000000" pitchFamily="2" charset="2"/>
+              <a:buChar char="Ø"/>
+            </a:pPr>
+            <a:r>
+              <a:rPr lang="en-CA" sz="2800" dirty="0">
+                <a:solidFill>
+                  <a:schemeClr val="bg1"/>
+                </a:solidFill>
+              </a:rPr>
+              <a:t>pickle</a:t>
+            </a:r>
+          </a:p>
+          <a:p>
+            <a:pPr marL="514350" indent="-514350">
+              <a:buFont typeface="Arial" panose="020B0604020202020204" pitchFamily="34" charset="0"/>
+              <a:buChar char="•"/>
+            </a:pPr>
+            <a:endParaRPr lang="en-CA" sz="2800" dirty="0">
+              <a:solidFill>
+                <a:schemeClr val="bg1"/>
+              </a:solidFill>
+            </a:endParaRPr>
+          </a:p>
+          <a:p>
+            <a:pPr marL="514350" indent="-514350">
+              <a:buFont typeface="Arial" panose="020B0604020202020204" pitchFamily="34" charset="0"/>
+              <a:buChar char="•"/>
+            </a:pPr>
+            <a:endParaRPr lang="en-CA" sz="2800" dirty="0">
+              <a:solidFill>
+                <a:schemeClr val="bg1"/>
+              </a:solidFill>
+            </a:endParaRPr>
+          </a:p>
+          <a:p>
+            <a:pPr marL="514350" indent="-514350">
+              <a:buFont typeface="Arial" panose="020B0604020202020204" pitchFamily="34" charset="0"/>
+              <a:buChar char="•"/>
+            </a:pPr>
+            <a:r>
+              <a:rPr lang="en-CA" sz="2800" b="1" dirty="0">
+                <a:solidFill>
+                  <a:schemeClr val="bg1"/>
+                </a:solidFill>
+              </a:rPr>
+              <a:t>Feature 3: NSFW Content Blocking</a:t>
+            </a:r>
+          </a:p>
+          <a:p>
+            <a:pPr marL="971550" lvl="1" indent="-514350">
+              <a:buFont typeface="Wingdings" panose="05000000000000000000" pitchFamily="2" charset="2"/>
+              <a:buChar char="§"/>
+            </a:pPr>
+            <a:r>
+              <a:rPr lang="en-CA" sz="2800" dirty="0">
+                <a:solidFill>
+                  <a:schemeClr val="bg1"/>
+                </a:solidFill>
+              </a:rPr>
+              <a:t>GitHub repository</a:t>
+            </a:r>
+          </a:p>
+          <a:p>
+            <a:pPr marL="1428750" lvl="2" indent="-514350">
+              <a:buFont typeface="Wingdings" panose="05000000000000000000" pitchFamily="2" charset="2"/>
+              <a:buChar char="Ø"/>
+            </a:pPr>
+            <a:r>
+              <a:rPr lang="en-CA" sz="2800" dirty="0" err="1">
+                <a:solidFill>
+                  <a:schemeClr val="bg1"/>
+                </a:solidFill>
+              </a:rPr>
+              <a:t>nsfwjs</a:t>
+            </a:r>
+            <a:r>
+              <a:rPr lang="en-CA" sz="2800" dirty="0">
+                <a:solidFill>
+                  <a:schemeClr val="bg1"/>
+                </a:solidFill>
+              </a:rPr>
+              <a:t> (API call)</a:t>
+            </a:r>
+          </a:p>
+        </p:txBody>
+      </p:sp>
+      <p:pic>
+        <p:nvPicPr>
+          <p:cNvPr id="3" name="Picture 2" descr="What is pandas?">
+            <a:extLst>
+              <a:ext uri="{FF2B5EF4-FFF2-40B4-BE49-F238E27FC236}">
+                <a16:creationId xmlns:a16="http://schemas.microsoft.com/office/drawing/2014/main" id="{7120AEE2-1F69-68BF-CD25-F13573D75779}"/>
+              </a:ext>
+            </a:extLst>
+          </p:cNvPr>
+          <p:cNvPicPr>
+            <a:picLocks noChangeAspect="1" noChangeArrowheads="1"/>
+          </p:cNvPicPr>
+          <p:nvPr/>
+        </p:nvPicPr>
+        <p:blipFill>
+          <a:blip r:embed="rId3">
+            <a:extLst>
+              <a:ext uri="{28A0092B-C50C-407E-A947-70E740481C1C}">
+                <a14:useLocalDpi xmlns:a14="http://schemas.microsoft.com/office/drawing/2010/main" val="0"/>
+              </a:ext>
+            </a:extLst>
+          </a:blip>
+          <a:srcRect/>
+          <a:stretch>
+            <a:fillRect/>
+          </a:stretch>
+        </p:blipFill>
+        <p:spPr bwMode="auto">
+          <a:xfrm>
+            <a:off x="8840039" y="1180273"/>
+            <a:ext cx="2926682" cy="1727222"/>
+          </a:xfrm>
+          <a:prstGeom prst="rect">
+            <a:avLst/>
+          </a:prstGeom>
+          <a:noFill/>
+          <a:extLst>
+            <a:ext uri="{909E8E84-426E-40DD-AFC4-6F175D3DCCD1}">
+              <a14:hiddenFill xmlns:a14="http://schemas.microsoft.com/office/drawing/2010/main">
+                <a:solidFill>
+                  <a:srgbClr val="FFFFFF"/>
+                </a:solidFill>
+              </a14:hiddenFill>
+            </a:ext>
+          </a:extLst>
+        </p:spPr>
+      </p:pic>
+      <p:pic>
+        <p:nvPicPr>
+          <p:cNvPr id="7" name="Picture 6">
+            <a:extLst>
+              <a:ext uri="{FF2B5EF4-FFF2-40B4-BE49-F238E27FC236}">
+                <a16:creationId xmlns:a16="http://schemas.microsoft.com/office/drawing/2014/main" id="{42D58A9B-90A6-F247-5B97-55C2F0FBC0EB}"/>
+              </a:ext>
+            </a:extLst>
+          </p:cNvPr>
+          <p:cNvPicPr>
+            <a:picLocks noChangeAspect="1"/>
+          </p:cNvPicPr>
+          <p:nvPr/>
+        </p:nvPicPr>
+        <p:blipFill>
+          <a:blip r:embed="rId4"/>
+          <a:srcRect b="5359"/>
+          <a:stretch/>
+        </p:blipFill>
+        <p:spPr>
+          <a:xfrm>
+            <a:off x="6710476" y="3700337"/>
+            <a:ext cx="4259126" cy="1625176"/>
+          </a:xfrm>
+          <a:prstGeom prst="rect">
+            <a:avLst/>
+          </a:prstGeom>
+        </p:spPr>
+      </p:pic>
+    </p:spTree>
+    <p:extLst>
+      <p:ext uri="{BB962C8B-B14F-4D97-AF65-F5344CB8AC3E}">
+        <p14:creationId xmlns:p14="http://schemas.microsoft.com/office/powerpoint/2010/main" val="1734840768"/>
+      </p:ext>
+    </p:extLst>
+  </p:cSld>
+  <p:clrMapOvr>
+    <a:masterClrMapping/>
+  </p:clrMapOvr>
 </p:sld>
 </file>
 
@@ -8691,16 +7902,9 @@
                       <a:solidFill>
                         <a:schemeClr val="bg1"/>
                       </a:solidFill>
-                      <a:latin typeface="Georgia" panose="02040502050405020303" pitchFamily="18" charset="0"/>
                     </a:rPr>
                     <a:t>Phishing, malware, NSFW content threats rising</a:t>
                   </a:r>
-                  <a:endParaRPr lang="en-US" sz="1850" dirty="0">
-                    <a:solidFill>
-                      <a:schemeClr val="bg1"/>
-                    </a:solidFill>
-                    <a:latin typeface="Georgia Pro Light" panose="02040302050405020303" pitchFamily="18" charset="0"/>
-                  </a:endParaRPr>
                 </a:p>
               </p:txBody>
             </p:sp>
@@ -8743,16 +7947,9 @@
                     <a:solidFill>
                       <a:schemeClr val="bg1"/>
                     </a:solidFill>
-                    <a:latin typeface="Georgia" panose="02040502050405020303" pitchFamily="18" charset="0"/>
                   </a:rPr>
                   <a:t>Need for fast, all-in-one internet safety solution</a:t>
                 </a:r>
-                <a:endParaRPr lang="en-US" sz="1850" dirty="0">
-                  <a:solidFill>
-                    <a:schemeClr val="bg1"/>
-                  </a:solidFill>
-                  <a:latin typeface="Georgia Pro Light" panose="02040302050405020303" pitchFamily="18" charset="0"/>
-                </a:endParaRPr>
               </a:p>
             </p:txBody>
           </p:sp>
@@ -8948,16 +8145,9 @@
                       <a:solidFill>
                         <a:schemeClr val="bg1"/>
                       </a:solidFill>
-                      <a:latin typeface="Georgia" panose="02040502050405020303" pitchFamily="18" charset="0"/>
                     </a:rPr>
                     <a:t>Internet security more critical than ever</a:t>
                   </a:r>
-                  <a:endParaRPr lang="en-US" sz="1850" dirty="0">
-                    <a:solidFill>
-                      <a:schemeClr val="bg1"/>
-                    </a:solidFill>
-                    <a:latin typeface="Georgia Pro Light" panose="02040302050405020303" pitchFamily="18" charset="0"/>
-                  </a:endParaRPr>
                 </a:p>
               </p:txBody>
             </p:sp>
@@ -11757,10 +10947,10 @@
       </p:sp>
       <p:pic>
         <p:nvPicPr>
-          <p:cNvPr id="12290" name="Picture 2">
-            <a:extLst>
-              <a:ext uri="{FF2B5EF4-FFF2-40B4-BE49-F238E27FC236}">
-                <a16:creationId xmlns:a16="http://schemas.microsoft.com/office/drawing/2014/main" id="{439F2624-FC4F-4534-B76D-BC36DDE19826}"/>
+          <p:cNvPr id="1026" name="Picture 2">
+            <a:extLst>
+              <a:ext uri="{FF2B5EF4-FFF2-40B4-BE49-F238E27FC236}">
+                <a16:creationId xmlns:a16="http://schemas.microsoft.com/office/drawing/2014/main" id="{46FAC04E-1CC3-2897-F381-172EE2666406}"/>
               </a:ext>
             </a:extLst>
           </p:cNvPr>
@@ -11777,13 +10967,13 @@
               </a:ext>
             </a:extLst>
           </a:blip>
-          <a:srcRect t="56029" b="1227"/>
+          <a:srcRect t="33636" r="5657"/>
           <a:stretch/>
         </p:blipFill>
         <p:spPr bwMode="auto">
           <a:xfrm>
-            <a:off x="2431732" y="3890832"/>
-            <a:ext cx="7115175" cy="2687124"/>
+            <a:off x="2855815" y="3923266"/>
+            <a:ext cx="6267009" cy="2654690"/>
           </a:xfrm>
           <a:prstGeom prst="rect">
             <a:avLst/>
@@ -11973,7 +11163,7 @@
                                           </p:stCondLst>
                                         </p:cTn>
                                         <p:tgtEl>
-                                          <p:spTgt spid="12290"/>
+                                          <p:spTgt spid="1026"/>
                                         </p:tgtEl>
                                         <p:attrNameLst>
                                           <p:attrName>style.visibility</p:attrName>
